--- a/Manual_Usuario.pptx
+++ b/Manual_Usuario.pptx
@@ -251,7 +251,7 @@
           <a:p>
             <a:fld id="{0F934F42-9031-4CB4-B475-220F149A9515}" type="datetimeFigureOut">
               <a:rPr lang="pt-BR" smtClean="0"/>
-              <a:t>17/03/2023</a:t>
+              <a:t>23/03/2023</a:t>
             </a:fld>
             <a:endParaRPr lang="pt-BR"/>
           </a:p>
@@ -421,7 +421,7 @@
           <a:p>
             <a:fld id="{0F934F42-9031-4CB4-B475-220F149A9515}" type="datetimeFigureOut">
               <a:rPr lang="pt-BR" smtClean="0"/>
-              <a:t>17/03/2023</a:t>
+              <a:t>23/03/2023</a:t>
             </a:fld>
             <a:endParaRPr lang="pt-BR"/>
           </a:p>
@@ -601,7 +601,7 @@
           <a:p>
             <a:fld id="{0F934F42-9031-4CB4-B475-220F149A9515}" type="datetimeFigureOut">
               <a:rPr lang="pt-BR" smtClean="0"/>
-              <a:t>17/03/2023</a:t>
+              <a:t>23/03/2023</a:t>
             </a:fld>
             <a:endParaRPr lang="pt-BR"/>
           </a:p>
@@ -771,7 +771,7 @@
           <a:p>
             <a:fld id="{0F934F42-9031-4CB4-B475-220F149A9515}" type="datetimeFigureOut">
               <a:rPr lang="pt-BR" smtClean="0"/>
-              <a:t>17/03/2023</a:t>
+              <a:t>23/03/2023</a:t>
             </a:fld>
             <a:endParaRPr lang="pt-BR"/>
           </a:p>
@@ -1017,7 +1017,7 @@
           <a:p>
             <a:fld id="{0F934F42-9031-4CB4-B475-220F149A9515}" type="datetimeFigureOut">
               <a:rPr lang="pt-BR" smtClean="0"/>
-              <a:t>17/03/2023</a:t>
+              <a:t>23/03/2023</a:t>
             </a:fld>
             <a:endParaRPr lang="pt-BR"/>
           </a:p>
@@ -1249,7 +1249,7 @@
           <a:p>
             <a:fld id="{0F934F42-9031-4CB4-B475-220F149A9515}" type="datetimeFigureOut">
               <a:rPr lang="pt-BR" smtClean="0"/>
-              <a:t>17/03/2023</a:t>
+              <a:t>23/03/2023</a:t>
             </a:fld>
             <a:endParaRPr lang="pt-BR"/>
           </a:p>
@@ -1616,7 +1616,7 @@
           <a:p>
             <a:fld id="{0F934F42-9031-4CB4-B475-220F149A9515}" type="datetimeFigureOut">
               <a:rPr lang="pt-BR" smtClean="0"/>
-              <a:t>17/03/2023</a:t>
+              <a:t>23/03/2023</a:t>
             </a:fld>
             <a:endParaRPr lang="pt-BR"/>
           </a:p>
@@ -1734,7 +1734,7 @@
           <a:p>
             <a:fld id="{0F934F42-9031-4CB4-B475-220F149A9515}" type="datetimeFigureOut">
               <a:rPr lang="pt-BR" smtClean="0"/>
-              <a:t>17/03/2023</a:t>
+              <a:t>23/03/2023</a:t>
             </a:fld>
             <a:endParaRPr lang="pt-BR"/>
           </a:p>
@@ -1829,7 +1829,7 @@
           <a:p>
             <a:fld id="{0F934F42-9031-4CB4-B475-220F149A9515}" type="datetimeFigureOut">
               <a:rPr lang="pt-BR" smtClean="0"/>
-              <a:t>17/03/2023</a:t>
+              <a:t>23/03/2023</a:t>
             </a:fld>
             <a:endParaRPr lang="pt-BR"/>
           </a:p>
@@ -2106,7 +2106,7 @@
           <a:p>
             <a:fld id="{0F934F42-9031-4CB4-B475-220F149A9515}" type="datetimeFigureOut">
               <a:rPr lang="pt-BR" smtClean="0"/>
-              <a:t>17/03/2023</a:t>
+              <a:t>23/03/2023</a:t>
             </a:fld>
             <a:endParaRPr lang="pt-BR"/>
           </a:p>
@@ -2359,7 +2359,7 @@
           <a:p>
             <a:fld id="{0F934F42-9031-4CB4-B475-220F149A9515}" type="datetimeFigureOut">
               <a:rPr lang="pt-BR" smtClean="0"/>
-              <a:t>17/03/2023</a:t>
+              <a:t>23/03/2023</a:t>
             </a:fld>
             <a:endParaRPr lang="pt-BR"/>
           </a:p>
@@ -2572,7 +2572,7 @@
           <a:p>
             <a:fld id="{0F934F42-9031-4CB4-B475-220F149A9515}" type="datetimeFigureOut">
               <a:rPr lang="pt-BR" smtClean="0"/>
-              <a:t>17/03/2023</a:t>
+              <a:t>23/03/2023</a:t>
             </a:fld>
             <a:endParaRPr lang="pt-BR"/>
           </a:p>
@@ -4402,31 +4402,7 @@
                   </a:outerShdw>
                 </a:effectLst>
               </a:rPr>
-              <a:t>PAGINA DE </a:t>
-            </a:r>
-            <a:r>
-              <a:rPr lang="pt-BR" dirty="0" smtClean="0">
-                <a:effectLst>
-                  <a:outerShdw blurRad="38100" dist="38100" dir="2700000" algn="tl">
-                    <a:srgbClr val="000000">
-                      <a:alpha val="43137"/>
-                    </a:srgbClr>
-                  </a:outerShdw>
-                </a:effectLst>
-              </a:rPr>
-              <a:t>FORMULARIO </a:t>
-            </a:r>
-            <a:r>
-              <a:rPr lang="pt-BR" dirty="0" smtClean="0">
-                <a:effectLst>
-                  <a:outerShdw blurRad="38100" dist="38100" dir="2700000" algn="tl">
-                    <a:srgbClr val="000000">
-                      <a:alpha val="43137"/>
-                    </a:srgbClr>
-                  </a:outerShdw>
-                </a:effectLst>
-              </a:rPr>
-              <a:t>DO ENSAIO CBR:</a:t>
+              <a:t>PAGINA DE FORMULARIO DO ENSAIO CBR:</a:t>
             </a:r>
           </a:p>
           <a:p>
@@ -5436,7 +5412,7 @@
         </p:blipFill>
         <p:spPr>
           <a:xfrm>
-            <a:off x="0" y="150394"/>
+            <a:off x="0" y="111757"/>
             <a:ext cx="6017453" cy="2193562"/>
           </a:xfrm>
           <a:prstGeom prst="rect">
@@ -5452,7 +5428,7 @@
         </p:nvSpPr>
         <p:spPr>
           <a:xfrm rot="9208402">
-            <a:off x="1067199" y="1268605"/>
+            <a:off x="1128140" y="1449432"/>
             <a:ext cx="329868" cy="852874"/>
           </a:xfrm>
           <a:prstGeom prst="downArrow">
@@ -5495,8 +5471,8 @@
         </p:nvSpPr>
         <p:spPr>
           <a:xfrm>
-            <a:off x="167425" y="919386"/>
-            <a:ext cx="1575252" cy="420017"/>
+            <a:off x="38706" y="1012948"/>
+            <a:ext cx="1249181" cy="420017"/>
           </a:xfrm>
           <a:prstGeom prst="ellipse">
             <a:avLst/>

--- a/Manual_Usuario.pptx
+++ b/Manual_Usuario.pptx
@@ -6,14 +6,16 @@
   </p:sldMasterIdLst>
   <p:sldIdLst>
     <p:sldId id="264" r:id="rId2"/>
-    <p:sldId id="256" r:id="rId3"/>
-    <p:sldId id="257" r:id="rId4"/>
-    <p:sldId id="258" r:id="rId5"/>
-    <p:sldId id="259" r:id="rId6"/>
-    <p:sldId id="260" r:id="rId7"/>
-    <p:sldId id="261" r:id="rId8"/>
-    <p:sldId id="262" r:id="rId9"/>
-    <p:sldId id="263" r:id="rId10"/>
+    <p:sldId id="265" r:id="rId3"/>
+    <p:sldId id="266" r:id="rId4"/>
+    <p:sldId id="256" r:id="rId5"/>
+    <p:sldId id="257" r:id="rId6"/>
+    <p:sldId id="258" r:id="rId7"/>
+    <p:sldId id="259" r:id="rId8"/>
+    <p:sldId id="260" r:id="rId9"/>
+    <p:sldId id="261" r:id="rId10"/>
+    <p:sldId id="262" r:id="rId11"/>
+    <p:sldId id="263" r:id="rId12"/>
   </p:sldIdLst>
   <p:sldSz cx="12192000" cy="6858000"/>
   <p:notesSz cx="6858000" cy="9144000"/>
@@ -3637,542 +3639,7 @@
 </p:sld>
 </file>
 
-<file path=ppt/slides/slide2.xml><?xml version="1.0" encoding="utf-8"?>
-<p:sld xmlns:a="http://schemas.openxmlformats.org/drawingml/2006/main" xmlns:r="http://schemas.openxmlformats.org/officeDocument/2006/relationships" xmlns:p="http://schemas.openxmlformats.org/presentationml/2006/main">
-  <p:cSld>
-    <p:spTree>
-      <p:nvGrpSpPr>
-        <p:cNvPr id="1" name=""/>
-        <p:cNvGrpSpPr/>
-        <p:nvPr/>
-      </p:nvGrpSpPr>
-      <p:grpSpPr>
-        <a:xfrm>
-          <a:off x="0" y="0"/>
-          <a:ext cx="0" cy="0"/>
-          <a:chOff x="0" y="0"/>
-          <a:chExt cx="0" cy="0"/>
-        </a:xfrm>
-      </p:grpSpPr>
-      <p:sp>
-        <p:nvSpPr>
-          <p:cNvPr id="3" name="Subtítulo 2"/>
-          <p:cNvSpPr>
-            <a:spLocks noGrp="1"/>
-          </p:cNvSpPr>
-          <p:nvPr>
-            <p:ph type="subTitle" idx="1"/>
-          </p:nvPr>
-        </p:nvSpPr>
-        <p:spPr/>
-        <p:txBody>
-          <a:bodyPr/>
-          <a:lstStyle/>
-          <a:p>
-            <a:endParaRPr lang="pt-BR" dirty="0"/>
-          </a:p>
-        </p:txBody>
-      </p:sp>
-      <p:pic>
-        <p:nvPicPr>
-          <p:cNvPr id="5" name="Imagem 4"/>
-          <p:cNvPicPr>
-            <a:picLocks noChangeAspect="1"/>
-          </p:cNvPicPr>
-          <p:nvPr/>
-        </p:nvPicPr>
-        <p:blipFill>
-          <a:blip r:embed="rId2"/>
-          <a:stretch>
-            <a:fillRect/>
-          </a:stretch>
-        </p:blipFill>
-        <p:spPr>
-          <a:xfrm>
-            <a:off x="0" y="0"/>
-            <a:ext cx="12192000" cy="6858000"/>
-          </a:xfrm>
-          <a:prstGeom prst="rect">
-            <a:avLst/>
-          </a:prstGeom>
-        </p:spPr>
-      </p:pic>
-      <p:sp>
-        <p:nvSpPr>
-          <p:cNvPr id="6" name="Seta para baixo 5"/>
-          <p:cNvSpPr/>
-          <p:nvPr/>
-        </p:nvSpPr>
-        <p:spPr>
-          <a:xfrm rot="10011818">
-            <a:off x="4005331" y="2076716"/>
-            <a:ext cx="528033" cy="2756079"/>
-          </a:xfrm>
-          <a:prstGeom prst="downArrow">
-            <a:avLst/>
-          </a:prstGeom>
-          <a:solidFill>
-            <a:srgbClr val="FF0000"/>
-          </a:solidFill>
-        </p:spPr>
-        <p:style>
-          <a:lnRef idx="2">
-            <a:schemeClr val="accent1">
-              <a:shade val="50000"/>
-            </a:schemeClr>
-          </a:lnRef>
-          <a:fillRef idx="1">
-            <a:schemeClr val="accent1"/>
-          </a:fillRef>
-          <a:effectRef idx="0">
-            <a:schemeClr val="accent1"/>
-          </a:effectRef>
-          <a:fontRef idx="minor">
-            <a:schemeClr val="lt1"/>
-          </a:fontRef>
-        </p:style>
-        <p:txBody>
-          <a:bodyPr rtlCol="0" anchor="ctr"/>
-          <a:lstStyle/>
-          <a:p>
-            <a:pPr algn="ctr"/>
-            <a:endParaRPr lang="pt-BR"/>
-          </a:p>
-        </p:txBody>
-      </p:sp>
-      <p:cxnSp>
-        <p:nvCxnSpPr>
-          <p:cNvPr id="9" name="Conector reto 8"/>
-          <p:cNvCxnSpPr/>
-          <p:nvPr/>
-        </p:nvCxnSpPr>
-        <p:spPr>
-          <a:xfrm>
-            <a:off x="2752456" y="2052773"/>
-            <a:ext cx="1893194" cy="0"/>
-          </a:xfrm>
-          <a:prstGeom prst="line">
-            <a:avLst/>
-          </a:prstGeom>
-          <a:ln w="57150">
-            <a:solidFill>
-              <a:srgbClr val="FF0000"/>
-            </a:solidFill>
-          </a:ln>
-        </p:spPr>
-        <p:style>
-          <a:lnRef idx="1">
-            <a:schemeClr val="accent1"/>
-          </a:lnRef>
-          <a:fillRef idx="0">
-            <a:schemeClr val="accent1"/>
-          </a:fillRef>
-          <a:effectRef idx="0">
-            <a:schemeClr val="accent1"/>
-          </a:effectRef>
-          <a:fontRef idx="minor">
-            <a:schemeClr val="tx1"/>
-          </a:fontRef>
-        </p:style>
-      </p:cxnSp>
-      <p:sp>
-        <p:nvSpPr>
-          <p:cNvPr id="11" name="CaixaDeTexto 10"/>
-          <p:cNvSpPr txBox="1"/>
-          <p:nvPr/>
-        </p:nvSpPr>
-        <p:spPr>
-          <a:xfrm>
-            <a:off x="4146998" y="4888468"/>
-            <a:ext cx="5550794" cy="646331"/>
-          </a:xfrm>
-          <a:prstGeom prst="rect">
-            <a:avLst/>
-          </a:prstGeom>
-          <a:noFill/>
-        </p:spPr>
-        <p:txBody>
-          <a:bodyPr wrap="square" rtlCol="0">
-            <a:spAutoFit/>
-          </a:bodyPr>
-          <a:lstStyle/>
-          <a:p>
-            <a:r>
-              <a:rPr lang="pt-BR" sz="3600" dirty="0" smtClean="0">
-                <a:solidFill>
-                  <a:srgbClr val="FF0000"/>
-                </a:solidFill>
-                <a:effectLst>
-                  <a:outerShdw blurRad="38100" dist="38100" dir="2700000" algn="tl">
-                    <a:srgbClr val="000000">
-                      <a:alpha val="43137"/>
-                    </a:srgbClr>
-                  </a:outerShdw>
-                </a:effectLst>
-              </a:rPr>
-              <a:t>Abra a pasta ‘APLICATIVO’</a:t>
-            </a:r>
-            <a:endParaRPr lang="pt-BR" sz="3600" dirty="0">
-              <a:solidFill>
-                <a:srgbClr val="FF0000"/>
-              </a:solidFill>
-              <a:effectLst>
-                <a:outerShdw blurRad="38100" dist="38100" dir="2700000" algn="tl">
-                  <a:srgbClr val="000000">
-                    <a:alpha val="43137"/>
-                  </a:srgbClr>
-                </a:outerShdw>
-              </a:effectLst>
-            </a:endParaRPr>
-          </a:p>
-        </p:txBody>
-      </p:sp>
-    </p:spTree>
-    <p:extLst>
-      <p:ext uri="{BB962C8B-B14F-4D97-AF65-F5344CB8AC3E}">
-        <p14:creationId xmlns:p14="http://schemas.microsoft.com/office/powerpoint/2010/main" val="2971700047"/>
-      </p:ext>
-    </p:extLst>
-  </p:cSld>
-  <p:clrMapOvr>
-    <a:masterClrMapping/>
-  </p:clrMapOvr>
-</p:sld>
-</file>
-
-<file path=ppt/slides/slide3.xml><?xml version="1.0" encoding="utf-8"?>
-<p:sld xmlns:a="http://schemas.openxmlformats.org/drawingml/2006/main" xmlns:r="http://schemas.openxmlformats.org/officeDocument/2006/relationships" xmlns:p="http://schemas.openxmlformats.org/presentationml/2006/main">
-  <p:cSld>
-    <p:spTree>
-      <p:nvGrpSpPr>
-        <p:cNvPr id="1" name=""/>
-        <p:cNvGrpSpPr/>
-        <p:nvPr/>
-      </p:nvGrpSpPr>
-      <p:grpSpPr>
-        <a:xfrm>
-          <a:off x="0" y="0"/>
-          <a:ext cx="0" cy="0"/>
-          <a:chOff x="0" y="0"/>
-          <a:chExt cx="0" cy="0"/>
-        </a:xfrm>
-      </p:grpSpPr>
-      <p:sp>
-        <p:nvSpPr>
-          <p:cNvPr id="2" name="Título 1"/>
-          <p:cNvSpPr>
-            <a:spLocks noGrp="1"/>
-          </p:cNvSpPr>
-          <p:nvPr>
-            <p:ph type="title"/>
-          </p:nvPr>
-        </p:nvSpPr>
-        <p:spPr/>
-        <p:txBody>
-          <a:bodyPr/>
-          <a:lstStyle/>
-          <a:p>
-            <a:endParaRPr lang="pt-BR" dirty="0"/>
-          </a:p>
-        </p:txBody>
-      </p:sp>
-      <p:pic>
-        <p:nvPicPr>
-          <p:cNvPr id="4" name="Espaço Reservado para Conteúdo 3"/>
-          <p:cNvPicPr>
-            <a:picLocks noGrp="1" noChangeAspect="1"/>
-          </p:cNvPicPr>
-          <p:nvPr>
-            <p:ph idx="1"/>
-          </p:nvPr>
-        </p:nvPicPr>
-        <p:blipFill>
-          <a:blip r:embed="rId2"/>
-          <a:stretch>
-            <a:fillRect/>
-          </a:stretch>
-        </p:blipFill>
-        <p:spPr>
-          <a:xfrm>
-            <a:off x="0" y="0"/>
-            <a:ext cx="12192000" cy="6858000"/>
-          </a:xfrm>
-          <a:prstGeom prst="rect">
-            <a:avLst/>
-          </a:prstGeom>
-        </p:spPr>
-      </p:pic>
-      <p:sp>
-        <p:nvSpPr>
-          <p:cNvPr id="5" name="Seta para baixo 4"/>
-          <p:cNvSpPr/>
-          <p:nvPr/>
-        </p:nvSpPr>
-        <p:spPr>
-          <a:xfrm rot="10011818">
-            <a:off x="3963458" y="2426301"/>
-            <a:ext cx="528033" cy="2614279"/>
-          </a:xfrm>
-          <a:prstGeom prst="downArrow">
-            <a:avLst/>
-          </a:prstGeom>
-          <a:solidFill>
-            <a:srgbClr val="FF0000"/>
-          </a:solidFill>
-        </p:spPr>
-        <p:style>
-          <a:lnRef idx="2">
-            <a:schemeClr val="accent1">
-              <a:shade val="50000"/>
-            </a:schemeClr>
-          </a:lnRef>
-          <a:fillRef idx="1">
-            <a:schemeClr val="accent1"/>
-          </a:fillRef>
-          <a:effectRef idx="0">
-            <a:schemeClr val="accent1"/>
-          </a:effectRef>
-          <a:fontRef idx="minor">
-            <a:schemeClr val="lt1"/>
-          </a:fontRef>
-        </p:style>
-        <p:txBody>
-          <a:bodyPr rtlCol="0" anchor="ctr"/>
-          <a:lstStyle/>
-          <a:p>
-            <a:pPr algn="ctr"/>
-            <a:endParaRPr lang="pt-BR"/>
-          </a:p>
-        </p:txBody>
-      </p:sp>
-      <p:cxnSp>
-        <p:nvCxnSpPr>
-          <p:cNvPr id="6" name="Conector reto 5"/>
-          <p:cNvCxnSpPr/>
-          <p:nvPr/>
-        </p:nvCxnSpPr>
-        <p:spPr>
-          <a:xfrm>
-            <a:off x="2726697" y="2400503"/>
-            <a:ext cx="1893194" cy="0"/>
-          </a:xfrm>
-          <a:prstGeom prst="line">
-            <a:avLst/>
-          </a:prstGeom>
-          <a:ln w="57150">
-            <a:solidFill>
-              <a:srgbClr val="FF0000"/>
-            </a:solidFill>
-          </a:ln>
-        </p:spPr>
-        <p:style>
-          <a:lnRef idx="1">
-            <a:schemeClr val="accent1"/>
-          </a:lnRef>
-          <a:fillRef idx="0">
-            <a:schemeClr val="accent1"/>
-          </a:fillRef>
-          <a:effectRef idx="0">
-            <a:schemeClr val="accent1"/>
-          </a:effectRef>
-          <a:fontRef idx="minor">
-            <a:schemeClr val="tx1"/>
-          </a:fontRef>
-        </p:style>
-      </p:cxnSp>
-      <p:sp>
-        <p:nvSpPr>
-          <p:cNvPr id="7" name="CaixaDeTexto 6"/>
-          <p:cNvSpPr txBox="1"/>
-          <p:nvPr/>
-        </p:nvSpPr>
-        <p:spPr>
-          <a:xfrm>
-            <a:off x="4121239" y="5122322"/>
-            <a:ext cx="7894750" cy="1754326"/>
-          </a:xfrm>
-          <a:prstGeom prst="rect">
-            <a:avLst/>
-          </a:prstGeom>
-          <a:noFill/>
-        </p:spPr>
-        <p:txBody>
-          <a:bodyPr wrap="square" rtlCol="0">
-            <a:spAutoFit/>
-          </a:bodyPr>
-          <a:lstStyle/>
-          <a:p>
-            <a:r>
-              <a:rPr lang="pt-BR" sz="3600" dirty="0" smtClean="0">
-                <a:solidFill>
-                  <a:srgbClr val="FF0000"/>
-                </a:solidFill>
-                <a:effectLst>
-                  <a:outerShdw blurRad="38100" dist="38100" dir="2700000" algn="tl">
-                    <a:srgbClr val="000000">
-                      <a:alpha val="43137"/>
-                    </a:srgbClr>
-                  </a:outerShdw>
-                </a:effectLst>
-              </a:rPr>
-              <a:t>Abra o arquivo executável ‘Aplicativo’ dando dois cliques com o botão esquerdo do mouse</a:t>
-            </a:r>
-            <a:endParaRPr lang="pt-BR" sz="3600" dirty="0">
-              <a:solidFill>
-                <a:srgbClr val="FF0000"/>
-              </a:solidFill>
-              <a:effectLst>
-                <a:outerShdw blurRad="38100" dist="38100" dir="2700000" algn="tl">
-                  <a:srgbClr val="000000">
-                    <a:alpha val="43137"/>
-                  </a:srgbClr>
-                </a:outerShdw>
-              </a:effectLst>
-            </a:endParaRPr>
-          </a:p>
-        </p:txBody>
-      </p:sp>
-    </p:spTree>
-    <p:extLst>
-      <p:ext uri="{BB962C8B-B14F-4D97-AF65-F5344CB8AC3E}">
-        <p14:creationId xmlns:p14="http://schemas.microsoft.com/office/powerpoint/2010/main" val="311100426"/>
-      </p:ext>
-    </p:extLst>
-  </p:cSld>
-  <p:clrMapOvr>
-    <a:masterClrMapping/>
-  </p:clrMapOvr>
-</p:sld>
-</file>
-
-<file path=ppt/slides/slide4.xml><?xml version="1.0" encoding="utf-8"?>
-<p:sld xmlns:a="http://schemas.openxmlformats.org/drawingml/2006/main" xmlns:r="http://schemas.openxmlformats.org/officeDocument/2006/relationships" xmlns:p="http://schemas.openxmlformats.org/presentationml/2006/main">
-  <p:cSld>
-    <p:spTree>
-      <p:nvGrpSpPr>
-        <p:cNvPr id="1" name=""/>
-        <p:cNvGrpSpPr/>
-        <p:nvPr/>
-      </p:nvGrpSpPr>
-      <p:grpSpPr>
-        <a:xfrm>
-          <a:off x="0" y="0"/>
-          <a:ext cx="0" cy="0"/>
-          <a:chOff x="0" y="0"/>
-          <a:chExt cx="0" cy="0"/>
-        </a:xfrm>
-      </p:grpSpPr>
-      <p:sp>
-        <p:nvSpPr>
-          <p:cNvPr id="2" name="Título 1"/>
-          <p:cNvSpPr>
-            <a:spLocks noGrp="1"/>
-          </p:cNvSpPr>
-          <p:nvPr>
-            <p:ph type="title"/>
-          </p:nvPr>
-        </p:nvSpPr>
-        <p:spPr/>
-        <p:txBody>
-          <a:bodyPr/>
-          <a:lstStyle/>
-          <a:p>
-            <a:endParaRPr lang="pt-BR"/>
-          </a:p>
-        </p:txBody>
-      </p:sp>
-      <p:pic>
-        <p:nvPicPr>
-          <p:cNvPr id="4" name="Espaço Reservado para Conteúdo 3"/>
-          <p:cNvPicPr>
-            <a:picLocks noGrp="1" noChangeAspect="1"/>
-          </p:cNvPicPr>
-          <p:nvPr>
-            <p:ph idx="1"/>
-          </p:nvPr>
-        </p:nvPicPr>
-        <p:blipFill>
-          <a:blip r:embed="rId2"/>
-          <a:stretch>
-            <a:fillRect/>
-          </a:stretch>
-        </p:blipFill>
-        <p:spPr>
-          <a:xfrm>
-            <a:off x="0" y="0"/>
-            <a:ext cx="12192000" cy="6967470"/>
-          </a:xfrm>
-          <a:prstGeom prst="rect">
-            <a:avLst/>
-          </a:prstGeom>
-        </p:spPr>
-      </p:pic>
-      <p:sp>
-        <p:nvSpPr>
-          <p:cNvPr id="10" name="CaixaDeTexto 9"/>
-          <p:cNvSpPr txBox="1"/>
-          <p:nvPr/>
-        </p:nvSpPr>
-        <p:spPr>
-          <a:xfrm>
-            <a:off x="154546" y="4092012"/>
-            <a:ext cx="11938716" cy="1754326"/>
-          </a:xfrm>
-          <a:prstGeom prst="rect">
-            <a:avLst/>
-          </a:prstGeom>
-          <a:noFill/>
-        </p:spPr>
-        <p:txBody>
-          <a:bodyPr wrap="square" rtlCol="0">
-            <a:spAutoFit/>
-          </a:bodyPr>
-          <a:lstStyle/>
-          <a:p>
-            <a:r>
-              <a:rPr lang="pt-BR" sz="3600" dirty="0" smtClean="0">
-                <a:solidFill>
-                  <a:srgbClr val="FF0000"/>
-                </a:solidFill>
-                <a:effectLst>
-                  <a:outerShdw blurRad="38100" dist="38100" dir="2700000" algn="tl">
-                    <a:srgbClr val="000000">
-                      <a:alpha val="43137"/>
-                    </a:srgbClr>
-                  </a:outerShdw>
-                </a:effectLst>
-              </a:rPr>
-              <a:t>Aguarde até esta tela seja aberta no seu computador e escolha o ensaio desejado clicando em um dos botões ‘CBR’ ou ‘Marshall’</a:t>
-            </a:r>
-            <a:endParaRPr lang="pt-BR" sz="3600" dirty="0">
-              <a:solidFill>
-                <a:srgbClr val="FF0000"/>
-              </a:solidFill>
-              <a:effectLst>
-                <a:outerShdw blurRad="38100" dist="38100" dir="2700000" algn="tl">
-                  <a:srgbClr val="000000">
-                    <a:alpha val="43137"/>
-                  </a:srgbClr>
-                </a:outerShdw>
-              </a:effectLst>
-            </a:endParaRPr>
-          </a:p>
-        </p:txBody>
-      </p:sp>
-    </p:spTree>
-    <p:extLst>
-      <p:ext uri="{BB962C8B-B14F-4D97-AF65-F5344CB8AC3E}">
-        <p14:creationId xmlns:p14="http://schemas.microsoft.com/office/powerpoint/2010/main" val="2306253687"/>
-      </p:ext>
-    </p:extLst>
-  </p:cSld>
-  <p:clrMapOvr>
-    <a:masterClrMapping/>
-  </p:clrMapOvr>
-</p:sld>
-</file>
-
-<file path=ppt/slides/slide5.xml><?xml version="1.0" encoding="utf-8"?>
+<file path=ppt/slides/slide10.xml><?xml version="1.0" encoding="utf-8"?>
 <p:sld xmlns:a="http://schemas.openxmlformats.org/drawingml/2006/main" xmlns:r="http://schemas.openxmlformats.org/officeDocument/2006/relationships" xmlns:p="http://schemas.openxmlformats.org/presentationml/2006/main">
   <p:cSld>
     <p:spTree>
@@ -4206,7 +3673,7 @@
         <p:spPr>
           <a:xfrm>
             <a:off x="0" y="0"/>
-            <a:ext cx="12192000" cy="4842456"/>
+            <a:ext cx="12192000" cy="7038975"/>
           </a:xfrm>
           <a:prstGeom prst="rect">
             <a:avLst/>
@@ -4215,14 +3682,14 @@
       </p:pic>
       <p:sp>
         <p:nvSpPr>
-          <p:cNvPr id="5" name="CaixaDeTexto 4"/>
+          <p:cNvPr id="8" name="CaixaDeTexto 7"/>
           <p:cNvSpPr txBox="1"/>
           <p:nvPr/>
         </p:nvSpPr>
         <p:spPr>
           <a:xfrm>
-            <a:off x="0" y="4842456"/>
-            <a:ext cx="12191999" cy="2031325"/>
+            <a:off x="2249510" y="2196777"/>
+            <a:ext cx="9942490" cy="3046988"/>
           </a:xfrm>
           <a:prstGeom prst="rect">
             <a:avLst/>
@@ -4235,71 +3702,1638 @@
           </a:bodyPr>
           <a:lstStyle/>
           <a:p>
+            <a:r>
+              <a:rPr lang="pt-BR" sz="2400" dirty="0" smtClean="0">
+                <a:solidFill>
+                  <a:srgbClr val="FF0000"/>
+                </a:solidFill>
+                <a:effectLst>
+                  <a:outerShdw blurRad="38100" dist="38100" dir="2700000" algn="tl">
+                    <a:srgbClr val="000000">
+                      <a:alpha val="43137"/>
+                    </a:srgbClr>
+                  </a:outerShdw>
+                </a:effectLst>
+              </a:rPr>
+              <a:t>	Ao se conectar com a prensa os valores de força e deslocamento serão exibidos em tempo real nos lugares </a:t>
+            </a:r>
+            <a:r>
+              <a:rPr lang="pt-BR" sz="2400" dirty="0">
+                <a:solidFill>
+                  <a:srgbClr val="FF0000"/>
+                </a:solidFill>
+                <a:effectLst>
+                  <a:outerShdw blurRad="38100" dist="38100" dir="2700000" algn="tl">
+                    <a:srgbClr val="000000">
+                      <a:alpha val="43137"/>
+                    </a:srgbClr>
+                  </a:outerShdw>
+                </a:effectLst>
+              </a:rPr>
+              <a:t>i</a:t>
+            </a:r>
+            <a:r>
+              <a:rPr lang="pt-BR" sz="2400" dirty="0" smtClean="0">
+                <a:solidFill>
+                  <a:srgbClr val="FF0000"/>
+                </a:solidFill>
+                <a:effectLst>
+                  <a:outerShdw blurRad="38100" dist="38100" dir="2700000" algn="tl">
+                    <a:srgbClr val="000000">
+                      <a:alpha val="43137"/>
+                    </a:srgbClr>
+                  </a:outerShdw>
+                </a:effectLst>
+              </a:rPr>
+              <a:t>ndicados pelos círculos vermelhos.</a:t>
+            </a:r>
+          </a:p>
+          <a:p>
+            <a:r>
+              <a:rPr lang="pt-BR" sz="2400" dirty="0" smtClean="0">
+                <a:solidFill>
+                  <a:srgbClr val="FF0000"/>
+                </a:solidFill>
+                <a:effectLst>
+                  <a:outerShdw blurRad="38100" dist="38100" dir="2700000" algn="tl">
+                    <a:srgbClr val="000000">
+                      <a:alpha val="43137"/>
+                    </a:srgbClr>
+                  </a:outerShdw>
+                </a:effectLst>
+              </a:rPr>
+              <a:t>	O ensaio só pode começar caso sensor de deslocamento esta ajustado em 0.</a:t>
+            </a:r>
+          </a:p>
+          <a:p>
+            <a:r>
+              <a:rPr lang="pt-BR" sz="2400" dirty="0">
+                <a:solidFill>
+                  <a:srgbClr val="FF0000"/>
+                </a:solidFill>
+                <a:effectLst>
+                  <a:outerShdw blurRad="38100" dist="38100" dir="2700000" algn="tl">
+                    <a:srgbClr val="000000">
+                      <a:alpha val="43137"/>
+                    </a:srgbClr>
+                  </a:outerShdw>
+                </a:effectLst>
+              </a:rPr>
+              <a:t>	</a:t>
+            </a:r>
+            <a:r>
+              <a:rPr lang="pt-BR" sz="2400" dirty="0" smtClean="0">
+                <a:solidFill>
+                  <a:srgbClr val="FF0000"/>
+                </a:solidFill>
+                <a:effectLst>
+                  <a:outerShdw blurRad="38100" dist="38100" dir="2700000" algn="tl">
+                    <a:srgbClr val="000000">
+                      <a:alpha val="43137"/>
+                    </a:srgbClr>
+                  </a:outerShdw>
+                </a:effectLst>
+              </a:rPr>
+              <a:t>Só é possível voltar à pagina anterior se o ensaio não tiver começado.</a:t>
+            </a:r>
+          </a:p>
+          <a:p>
+            <a:r>
+              <a:rPr lang="pt-BR" sz="2400" dirty="0">
+                <a:solidFill>
+                  <a:srgbClr val="FF0000"/>
+                </a:solidFill>
+                <a:effectLst>
+                  <a:outerShdw blurRad="38100" dist="38100" dir="2700000" algn="tl">
+                    <a:srgbClr val="000000">
+                      <a:alpha val="43137"/>
+                    </a:srgbClr>
+                  </a:outerShdw>
+                </a:effectLst>
+              </a:rPr>
+              <a:t>	</a:t>
+            </a:r>
+            <a:r>
+              <a:rPr lang="pt-BR" sz="2400" dirty="0" smtClean="0">
+                <a:solidFill>
+                  <a:srgbClr val="FF0000"/>
+                </a:solidFill>
+                <a:effectLst>
+                  <a:outerShdw blurRad="38100" dist="38100" dir="2700000" algn="tl">
+                    <a:srgbClr val="000000">
+                      <a:alpha val="43137"/>
+                    </a:srgbClr>
+                  </a:outerShdw>
+                </a:effectLst>
+              </a:rPr>
+              <a:t>Ao iniciar o ensaio será gerado um gráfico em tempo real na tela</a:t>
+            </a:r>
+          </a:p>
+          <a:p>
+            <a:r>
+              <a:rPr lang="pt-BR" sz="2400" dirty="0">
+                <a:solidFill>
+                  <a:srgbClr val="FF0000"/>
+                </a:solidFill>
+                <a:effectLst>
+                  <a:outerShdw blurRad="38100" dist="38100" dir="2700000" algn="tl">
+                    <a:srgbClr val="000000">
+                      <a:alpha val="43137"/>
+                    </a:srgbClr>
+                  </a:outerShdw>
+                </a:effectLst>
+              </a:rPr>
+              <a:t>	</a:t>
+            </a:r>
+            <a:r>
+              <a:rPr lang="pt-BR" sz="2400" dirty="0" smtClean="0">
+                <a:solidFill>
+                  <a:srgbClr val="FF0000"/>
+                </a:solidFill>
+                <a:effectLst>
+                  <a:outerShdw blurRad="38100" dist="38100" dir="2700000" algn="tl">
+                    <a:srgbClr val="000000">
+                      <a:alpha val="43137"/>
+                    </a:srgbClr>
+                  </a:outerShdw>
+                </a:effectLst>
+              </a:rPr>
+              <a:t>O ensaio é encerrado automaticamente e um </a:t>
+            </a:r>
+            <a:r>
+              <a:rPr lang="pt-BR" sz="2400" dirty="0" err="1" smtClean="0">
+                <a:solidFill>
+                  <a:srgbClr val="FF0000"/>
+                </a:solidFill>
+                <a:effectLst>
+                  <a:outerShdw blurRad="38100" dist="38100" dir="2700000" algn="tl">
+                    <a:srgbClr val="000000">
+                      <a:alpha val="43137"/>
+                    </a:srgbClr>
+                  </a:outerShdw>
+                </a:effectLst>
+              </a:rPr>
+              <a:t>pdf</a:t>
+            </a:r>
+            <a:r>
+              <a:rPr lang="pt-BR" sz="2400" dirty="0" smtClean="0">
+                <a:solidFill>
+                  <a:srgbClr val="FF0000"/>
+                </a:solidFill>
+                <a:effectLst>
+                  <a:outerShdw blurRad="38100" dist="38100" dir="2700000" algn="tl">
+                    <a:srgbClr val="000000">
+                      <a:alpha val="43137"/>
+                    </a:srgbClr>
+                  </a:outerShdw>
+                </a:effectLst>
+              </a:rPr>
+              <a:t> com o relatório é criado. Após o fim do ensaio o aplicativo é finalizado automaticamente.</a:t>
+            </a:r>
+            <a:endParaRPr lang="pt-BR" sz="2400" dirty="0">
+              <a:solidFill>
+                <a:srgbClr val="FF0000"/>
+              </a:solidFill>
+              <a:effectLst>
+                <a:outerShdw blurRad="38100" dist="38100" dir="2700000" algn="tl">
+                  <a:srgbClr val="000000">
+                    <a:alpha val="43137"/>
+                  </a:srgbClr>
+                </a:outerShdw>
+              </a:effectLst>
+            </a:endParaRPr>
+          </a:p>
+        </p:txBody>
+      </p:sp>
+      <p:sp>
+        <p:nvSpPr>
+          <p:cNvPr id="9" name="Elipse 8"/>
+          <p:cNvSpPr/>
+          <p:nvPr/>
+        </p:nvSpPr>
+        <p:spPr>
+          <a:xfrm>
+            <a:off x="8963696" y="1211374"/>
+            <a:ext cx="2189408" cy="759853"/>
+          </a:xfrm>
+          <a:prstGeom prst="ellipse">
+            <a:avLst/>
+          </a:prstGeom>
+          <a:noFill/>
+          <a:ln w="57150">
+            <a:solidFill>
+              <a:srgbClr val="FF0000"/>
+            </a:solidFill>
+          </a:ln>
+        </p:spPr>
+        <p:style>
+          <a:lnRef idx="2">
+            <a:schemeClr val="accent1">
+              <a:shade val="50000"/>
+            </a:schemeClr>
+          </a:lnRef>
+          <a:fillRef idx="1">
+            <a:schemeClr val="accent1"/>
+          </a:fillRef>
+          <a:effectRef idx="0">
+            <a:schemeClr val="accent1"/>
+          </a:effectRef>
+          <a:fontRef idx="minor">
+            <a:schemeClr val="lt1"/>
+          </a:fontRef>
+        </p:style>
+        <p:txBody>
+          <a:bodyPr rtlCol="0" anchor="ctr"/>
+          <a:lstStyle/>
+          <a:p>
             <a:pPr algn="ctr"/>
-            <a:r>
-              <a:rPr lang="pt-BR" dirty="0" smtClean="0">
-                <a:effectLst>
-                  <a:outerShdw blurRad="38100" dist="38100" dir="2700000" algn="tl">
-                    <a:srgbClr val="000000">
-                      <a:alpha val="43137"/>
-                    </a:srgbClr>
-                  </a:outerShdw>
-                </a:effectLst>
-              </a:rPr>
-              <a:t>PAGINA DE RELATORIO DO ENSAIO CBR:</a:t>
-            </a:r>
-          </a:p>
-          <a:p>
-            <a:r>
-              <a:rPr lang="pt-BR" dirty="0" smtClean="0"/>
-              <a:t>	Os campos: </a:t>
-            </a:r>
-            <a:r>
-              <a:rPr lang="pt-BR" dirty="0" smtClean="0">
-                <a:effectLst>
-                  <a:outerShdw blurRad="38100" dist="38100" dir="2700000" algn="tl">
-                    <a:srgbClr val="000000">
-                      <a:alpha val="43137"/>
-                    </a:srgbClr>
-                  </a:outerShdw>
-                </a:effectLst>
-              </a:rPr>
-              <a:t>REGISTRO, DATA, MATERIAL, NUMERO DO MOLDE,  AMOSTRA, FURO, OBRA, OPERADOR, TRECHO e SUBTRECHO</a:t>
-            </a:r>
-            <a:r>
-              <a:rPr lang="pt-BR" dirty="0" smtClean="0"/>
-              <a:t> podem ser preenchidos com letras e números. Os demais campos só aceitam valores numéricos.</a:t>
-            </a:r>
-          </a:p>
-          <a:p>
-            <a:r>
-              <a:rPr lang="pt-BR" dirty="0" smtClean="0"/>
-              <a:t>	Os valores numérico tem como separador da parte inteira e da parte decimal o ponto final ‘.’ </a:t>
-            </a:r>
-          </a:p>
-          <a:p>
-            <a:r>
-              <a:rPr lang="pt-BR" dirty="0" smtClean="0"/>
-              <a:t>	Caso o relatório não seja totalmente preenchido ou alguma das condições acima não seja satisfeita ao apertar o botão ‘SALVAR’ será gerado um tela de erro. Caso tudo esteja certo uma nova janela será aberta.</a:t>
-            </a:r>
-          </a:p>
-          <a:p>
-            <a:r>
-              <a:rPr lang="pt-BR" dirty="0"/>
-              <a:t>	</a:t>
-            </a:r>
-            <a:r>
-              <a:rPr lang="pt-BR" dirty="0" smtClean="0"/>
-              <a:t>O botão ‘VOLTAR’ retorna para a tela anterior</a:t>
-            </a:r>
-            <a:endParaRPr lang="pt-BR" dirty="0"/>
+            <a:endParaRPr lang="pt-BR"/>
+          </a:p>
+        </p:txBody>
+      </p:sp>
+      <p:sp>
+        <p:nvSpPr>
+          <p:cNvPr id="10" name="Elipse 9"/>
+          <p:cNvSpPr/>
+          <p:nvPr/>
+        </p:nvSpPr>
+        <p:spPr>
+          <a:xfrm>
+            <a:off x="3760631" y="1211374"/>
+            <a:ext cx="2109990" cy="759853"/>
+          </a:xfrm>
+          <a:prstGeom prst="ellipse">
+            <a:avLst/>
+          </a:prstGeom>
+          <a:noFill/>
+          <a:ln w="57150">
+            <a:solidFill>
+              <a:srgbClr val="FF0000"/>
+            </a:solidFill>
+          </a:ln>
+        </p:spPr>
+        <p:style>
+          <a:lnRef idx="2">
+            <a:schemeClr val="accent1">
+              <a:shade val="50000"/>
+            </a:schemeClr>
+          </a:lnRef>
+          <a:fillRef idx="1">
+            <a:schemeClr val="accent1"/>
+          </a:fillRef>
+          <a:effectRef idx="0">
+            <a:schemeClr val="accent1"/>
+          </a:effectRef>
+          <a:fontRef idx="minor">
+            <a:schemeClr val="lt1"/>
+          </a:fontRef>
+        </p:style>
+        <p:txBody>
+          <a:bodyPr rtlCol="0" anchor="ctr"/>
+          <a:lstStyle/>
+          <a:p>
+            <a:pPr algn="ctr"/>
+            <a:endParaRPr lang="pt-BR"/>
           </a:p>
         </p:txBody>
       </p:sp>
     </p:spTree>
     <p:extLst>
       <p:ext uri="{BB962C8B-B14F-4D97-AF65-F5344CB8AC3E}">
-        <p14:creationId xmlns:p14="http://schemas.microsoft.com/office/powerpoint/2010/main" val="2172709713"/>
+        <p14:creationId xmlns:p14="http://schemas.microsoft.com/office/powerpoint/2010/main" val="1584093371"/>
+      </p:ext>
+    </p:extLst>
+  </p:cSld>
+  <p:clrMapOvr>
+    <a:masterClrMapping/>
+  </p:clrMapOvr>
+</p:sld>
+</file>
+
+<file path=ppt/slides/slide11.xml><?xml version="1.0" encoding="utf-8"?>
+<p:sld xmlns:a="http://schemas.openxmlformats.org/drawingml/2006/main" xmlns:r="http://schemas.openxmlformats.org/officeDocument/2006/relationships" xmlns:p="http://schemas.openxmlformats.org/presentationml/2006/main">
+  <p:cSld>
+    <p:spTree>
+      <p:nvGrpSpPr>
+        <p:cNvPr id="1" name=""/>
+        <p:cNvGrpSpPr/>
+        <p:nvPr/>
+      </p:nvGrpSpPr>
+      <p:grpSpPr>
+        <a:xfrm>
+          <a:off x="0" y="0"/>
+          <a:ext cx="0" cy="0"/>
+          <a:chOff x="0" y="0"/>
+          <a:chExt cx="0" cy="0"/>
+        </a:xfrm>
+      </p:grpSpPr>
+      <p:pic>
+        <p:nvPicPr>
+          <p:cNvPr id="5" name="Imagem 4"/>
+          <p:cNvPicPr>
+            <a:picLocks noChangeAspect="1"/>
+          </p:cNvPicPr>
+          <p:nvPr/>
+        </p:nvPicPr>
+        <p:blipFill>
+          <a:blip r:embed="rId2"/>
+          <a:stretch>
+            <a:fillRect/>
+          </a:stretch>
+        </p:blipFill>
+        <p:spPr>
+          <a:xfrm>
+            <a:off x="6017453" y="114838"/>
+            <a:ext cx="5978747" cy="2216238"/>
+          </a:xfrm>
+          <a:prstGeom prst="rect">
+            <a:avLst/>
+          </a:prstGeom>
+        </p:spPr>
+      </p:pic>
+      <p:sp>
+        <p:nvSpPr>
+          <p:cNvPr id="6" name="CaixaDeTexto 5"/>
+          <p:cNvSpPr txBox="1"/>
+          <p:nvPr/>
+        </p:nvSpPr>
+        <p:spPr>
+          <a:xfrm>
+            <a:off x="257553" y="2258166"/>
+            <a:ext cx="4056845" cy="369332"/>
+          </a:xfrm>
+          <a:prstGeom prst="rect">
+            <a:avLst/>
+          </a:prstGeom>
+          <a:noFill/>
+        </p:spPr>
+        <p:txBody>
+          <a:bodyPr wrap="square" rtlCol="0">
+            <a:spAutoFit/>
+          </a:bodyPr>
+          <a:lstStyle/>
+          <a:p>
+            <a:r>
+              <a:rPr lang="pt-BR" dirty="0" smtClean="0"/>
+              <a:t>O relatório é criado na pasta ‘</a:t>
+            </a:r>
+            <a:r>
+              <a:rPr lang="pt-BR" dirty="0" err="1" smtClean="0"/>
+              <a:t>Relatorios</a:t>
+            </a:r>
+            <a:r>
+              <a:rPr lang="pt-BR" dirty="0" smtClean="0"/>
+              <a:t>’</a:t>
+            </a:r>
+            <a:endParaRPr lang="pt-BR" dirty="0"/>
+          </a:p>
+        </p:txBody>
+      </p:sp>
+      <p:pic>
+        <p:nvPicPr>
+          <p:cNvPr id="7" name="Imagem 6"/>
+          <p:cNvPicPr>
+            <a:picLocks noChangeAspect="1"/>
+          </p:cNvPicPr>
+          <p:nvPr/>
+        </p:nvPicPr>
+        <p:blipFill>
+          <a:blip r:embed="rId3"/>
+          <a:stretch>
+            <a:fillRect/>
+          </a:stretch>
+        </p:blipFill>
+        <p:spPr>
+          <a:xfrm>
+            <a:off x="0" y="111757"/>
+            <a:ext cx="6017453" cy="2193562"/>
+          </a:xfrm>
+          <a:prstGeom prst="rect">
+            <a:avLst/>
+          </a:prstGeom>
+        </p:spPr>
+      </p:pic>
+      <p:sp>
+        <p:nvSpPr>
+          <p:cNvPr id="8" name="Seta para baixo 7"/>
+          <p:cNvSpPr/>
+          <p:nvPr/>
+        </p:nvSpPr>
+        <p:spPr>
+          <a:xfrm rot="9208402">
+            <a:off x="1128140" y="1449432"/>
+            <a:ext cx="329868" cy="852874"/>
+          </a:xfrm>
+          <a:prstGeom prst="downArrow">
+            <a:avLst/>
+          </a:prstGeom>
+          <a:solidFill>
+            <a:srgbClr val="FF0000"/>
+          </a:solidFill>
+        </p:spPr>
+        <p:style>
+          <a:lnRef idx="2">
+            <a:schemeClr val="accent1">
+              <a:shade val="50000"/>
+            </a:schemeClr>
+          </a:lnRef>
+          <a:fillRef idx="1">
+            <a:schemeClr val="accent1"/>
+          </a:fillRef>
+          <a:effectRef idx="0">
+            <a:schemeClr val="accent1"/>
+          </a:effectRef>
+          <a:fontRef idx="minor">
+            <a:schemeClr val="lt1"/>
+          </a:fontRef>
+        </p:style>
+        <p:txBody>
+          <a:bodyPr rtlCol="0" anchor="ctr"/>
+          <a:lstStyle/>
+          <a:p>
+            <a:pPr algn="ctr"/>
+            <a:endParaRPr lang="pt-BR"/>
+          </a:p>
+        </p:txBody>
+      </p:sp>
+      <p:sp>
+        <p:nvSpPr>
+          <p:cNvPr id="9" name="Elipse 8"/>
+          <p:cNvSpPr/>
+          <p:nvPr/>
+        </p:nvSpPr>
+        <p:spPr>
+          <a:xfrm>
+            <a:off x="38706" y="1012948"/>
+            <a:ext cx="1249181" cy="420017"/>
+          </a:xfrm>
+          <a:prstGeom prst="ellipse">
+            <a:avLst/>
+          </a:prstGeom>
+          <a:noFill/>
+          <a:ln w="57150">
+            <a:solidFill>
+              <a:srgbClr val="FF0000"/>
+            </a:solidFill>
+          </a:ln>
+        </p:spPr>
+        <p:style>
+          <a:lnRef idx="2">
+            <a:schemeClr val="accent1">
+              <a:shade val="50000"/>
+            </a:schemeClr>
+          </a:lnRef>
+          <a:fillRef idx="1">
+            <a:schemeClr val="accent1"/>
+          </a:fillRef>
+          <a:effectRef idx="0">
+            <a:schemeClr val="accent1"/>
+          </a:effectRef>
+          <a:fontRef idx="minor">
+            <a:schemeClr val="lt1"/>
+          </a:fontRef>
+        </p:style>
+        <p:txBody>
+          <a:bodyPr rtlCol="0" anchor="ctr"/>
+          <a:lstStyle/>
+          <a:p>
+            <a:pPr algn="ctr"/>
+            <a:endParaRPr lang="pt-BR"/>
+          </a:p>
+        </p:txBody>
+      </p:sp>
+      <p:sp>
+        <p:nvSpPr>
+          <p:cNvPr id="11" name="Seta para baixo 10"/>
+          <p:cNvSpPr/>
+          <p:nvPr/>
+        </p:nvSpPr>
+        <p:spPr>
+          <a:xfrm rot="20811110">
+            <a:off x="6976154" y="1206102"/>
+            <a:ext cx="329868" cy="1239160"/>
+          </a:xfrm>
+          <a:prstGeom prst="downArrow">
+            <a:avLst/>
+          </a:prstGeom>
+          <a:solidFill>
+            <a:srgbClr val="FF0000"/>
+          </a:solidFill>
+        </p:spPr>
+        <p:style>
+          <a:lnRef idx="2">
+            <a:schemeClr val="accent1">
+              <a:shade val="50000"/>
+            </a:schemeClr>
+          </a:lnRef>
+          <a:fillRef idx="1">
+            <a:schemeClr val="accent1"/>
+          </a:fillRef>
+          <a:effectRef idx="0">
+            <a:schemeClr val="accent1"/>
+          </a:effectRef>
+          <a:fontRef idx="minor">
+            <a:schemeClr val="lt1"/>
+          </a:fontRef>
+        </p:style>
+        <p:txBody>
+          <a:bodyPr rtlCol="0" anchor="ctr"/>
+          <a:lstStyle/>
+          <a:p>
+            <a:pPr algn="ctr"/>
+            <a:endParaRPr lang="pt-BR"/>
+          </a:p>
+        </p:txBody>
+      </p:sp>
+      <p:sp>
+        <p:nvSpPr>
+          <p:cNvPr id="12" name="CaixaDeTexto 11"/>
+          <p:cNvSpPr txBox="1"/>
+          <p:nvPr/>
+        </p:nvSpPr>
+        <p:spPr>
+          <a:xfrm>
+            <a:off x="6282743" y="2631652"/>
+            <a:ext cx="4056845" cy="923330"/>
+          </a:xfrm>
+          <a:prstGeom prst="rect">
+            <a:avLst/>
+          </a:prstGeom>
+          <a:noFill/>
+        </p:spPr>
+        <p:txBody>
+          <a:bodyPr wrap="square" rtlCol="0">
+            <a:spAutoFit/>
+          </a:bodyPr>
+          <a:lstStyle/>
+          <a:p>
+            <a:r>
+              <a:rPr lang="pt-BR" dirty="0" smtClean="0"/>
+              <a:t>Os relatórios são salvos com os nomes indicando o tipo de ensaio, data e hora de execução</a:t>
+            </a:r>
+            <a:endParaRPr lang="pt-BR" dirty="0"/>
+          </a:p>
+        </p:txBody>
+      </p:sp>
+      <p:pic>
+        <p:nvPicPr>
+          <p:cNvPr id="13" name="Imagem 12"/>
+          <p:cNvPicPr>
+            <a:picLocks noChangeAspect="1"/>
+          </p:cNvPicPr>
+          <p:nvPr/>
+        </p:nvPicPr>
+        <p:blipFill>
+          <a:blip r:embed="rId4"/>
+          <a:stretch>
+            <a:fillRect/>
+          </a:stretch>
+        </p:blipFill>
+        <p:spPr>
+          <a:xfrm>
+            <a:off x="0" y="2833352"/>
+            <a:ext cx="4794831" cy="4024647"/>
+          </a:xfrm>
+          <a:prstGeom prst="rect">
+            <a:avLst/>
+          </a:prstGeom>
+        </p:spPr>
+      </p:pic>
+      <p:sp>
+        <p:nvSpPr>
+          <p:cNvPr id="14" name="Seta para baixo 13"/>
+          <p:cNvSpPr/>
+          <p:nvPr/>
+        </p:nvSpPr>
+        <p:spPr>
+          <a:xfrm rot="17432906">
+            <a:off x="5072305" y="4745647"/>
+            <a:ext cx="329868" cy="1239160"/>
+          </a:xfrm>
+          <a:prstGeom prst="downArrow">
+            <a:avLst/>
+          </a:prstGeom>
+          <a:solidFill>
+            <a:srgbClr val="FF0000"/>
+          </a:solidFill>
+        </p:spPr>
+        <p:style>
+          <a:lnRef idx="2">
+            <a:schemeClr val="accent1">
+              <a:shade val="50000"/>
+            </a:schemeClr>
+          </a:lnRef>
+          <a:fillRef idx="1">
+            <a:schemeClr val="accent1"/>
+          </a:fillRef>
+          <a:effectRef idx="0">
+            <a:schemeClr val="accent1"/>
+          </a:effectRef>
+          <a:fontRef idx="minor">
+            <a:schemeClr val="lt1"/>
+          </a:fontRef>
+        </p:style>
+        <p:txBody>
+          <a:bodyPr rtlCol="0" anchor="ctr"/>
+          <a:lstStyle/>
+          <a:p>
+            <a:pPr algn="ctr"/>
+            <a:endParaRPr lang="pt-BR"/>
+          </a:p>
+        </p:txBody>
+      </p:sp>
+      <p:sp>
+        <p:nvSpPr>
+          <p:cNvPr id="16" name="CaixaDeTexto 15"/>
+          <p:cNvSpPr txBox="1"/>
+          <p:nvPr/>
+        </p:nvSpPr>
+        <p:spPr>
+          <a:xfrm>
+            <a:off x="5981196" y="5424221"/>
+            <a:ext cx="4056845" cy="369332"/>
+          </a:xfrm>
+          <a:prstGeom prst="rect">
+            <a:avLst/>
+          </a:prstGeom>
+          <a:noFill/>
+        </p:spPr>
+        <p:txBody>
+          <a:bodyPr wrap="square" rtlCol="0">
+            <a:spAutoFit/>
+          </a:bodyPr>
+          <a:lstStyle/>
+          <a:p>
+            <a:r>
+              <a:rPr lang="pt-BR" dirty="0" smtClean="0"/>
+              <a:t>Exemplo de </a:t>
+            </a:r>
+            <a:r>
+              <a:rPr lang="pt-BR" dirty="0" err="1" smtClean="0"/>
+              <a:t>relatorio</a:t>
+            </a:r>
+            <a:endParaRPr lang="pt-BR" dirty="0"/>
+          </a:p>
+        </p:txBody>
+      </p:sp>
+    </p:spTree>
+    <p:extLst>
+      <p:ext uri="{BB962C8B-B14F-4D97-AF65-F5344CB8AC3E}">
+        <p14:creationId xmlns:p14="http://schemas.microsoft.com/office/powerpoint/2010/main" val="4238799258"/>
+      </p:ext>
+    </p:extLst>
+  </p:cSld>
+  <p:clrMapOvr>
+    <a:masterClrMapping/>
+  </p:clrMapOvr>
+</p:sld>
+</file>
+
+<file path=ppt/slides/slide2.xml><?xml version="1.0" encoding="utf-8"?>
+<p:sld xmlns:a="http://schemas.openxmlformats.org/drawingml/2006/main" xmlns:r="http://schemas.openxmlformats.org/officeDocument/2006/relationships" xmlns:p="http://schemas.openxmlformats.org/presentationml/2006/main">
+  <p:cSld>
+    <p:spTree>
+      <p:nvGrpSpPr>
+        <p:cNvPr id="1" name=""/>
+        <p:cNvGrpSpPr/>
+        <p:nvPr/>
+      </p:nvGrpSpPr>
+      <p:grpSpPr>
+        <a:xfrm>
+          <a:off x="0" y="0"/>
+          <a:ext cx="0" cy="0"/>
+          <a:chOff x="0" y="0"/>
+          <a:chExt cx="0" cy="0"/>
+        </a:xfrm>
+      </p:grpSpPr>
+      <p:sp>
+        <p:nvSpPr>
+          <p:cNvPr id="2" name="Título 1"/>
+          <p:cNvSpPr>
+            <a:spLocks noGrp="1"/>
+          </p:cNvSpPr>
+          <p:nvPr>
+            <p:ph type="title"/>
+          </p:nvPr>
+        </p:nvSpPr>
+        <p:spPr/>
+        <p:txBody>
+          <a:bodyPr/>
+          <a:lstStyle/>
+          <a:p>
+            <a:endParaRPr lang="pt-BR"/>
+          </a:p>
+        </p:txBody>
+      </p:sp>
+      <p:pic>
+        <p:nvPicPr>
+          <p:cNvPr id="4" name="Imagem 3"/>
+          <p:cNvPicPr>
+            <a:picLocks noChangeAspect="1"/>
+          </p:cNvPicPr>
+          <p:nvPr/>
+        </p:nvPicPr>
+        <p:blipFill>
+          <a:blip r:embed="rId2"/>
+          <a:stretch>
+            <a:fillRect/>
+          </a:stretch>
+        </p:blipFill>
+        <p:spPr>
+          <a:xfrm>
+            <a:off x="0" y="0"/>
+            <a:ext cx="12192000" cy="5555311"/>
+          </a:xfrm>
+          <a:prstGeom prst="rect">
+            <a:avLst/>
+          </a:prstGeom>
+        </p:spPr>
+      </p:pic>
+      <p:sp>
+        <p:nvSpPr>
+          <p:cNvPr id="5" name="CaixaDeTexto 4"/>
+          <p:cNvSpPr txBox="1"/>
+          <p:nvPr/>
+        </p:nvSpPr>
+        <p:spPr>
+          <a:xfrm>
+            <a:off x="206062" y="5742652"/>
+            <a:ext cx="12192000" cy="1015663"/>
+          </a:xfrm>
+          <a:prstGeom prst="rect">
+            <a:avLst/>
+          </a:prstGeom>
+          <a:noFill/>
+        </p:spPr>
+        <p:txBody>
+          <a:bodyPr wrap="square" rtlCol="0">
+            <a:spAutoFit/>
+          </a:bodyPr>
+          <a:lstStyle/>
+          <a:p>
+            <a:r>
+              <a:rPr lang="pt-BR" sz="2000" dirty="0" smtClean="0"/>
+              <a:t>Para o software funcionar é necessário baixar e instalar o programa </a:t>
+            </a:r>
+            <a:r>
+              <a:rPr lang="pt-BR" sz="2000" dirty="0" err="1" smtClean="0"/>
+              <a:t>xampp</a:t>
+            </a:r>
+            <a:r>
+              <a:rPr lang="pt-BR" sz="2000" dirty="0" smtClean="0"/>
+              <a:t> em seu computador disponível em ‘</a:t>
+            </a:r>
+            <a:r>
+              <a:rPr lang="pt-BR" sz="2000" u="sng" dirty="0" smtClean="0">
+                <a:solidFill>
+                  <a:schemeClr val="accent1">
+                    <a:lumMod val="75000"/>
+                  </a:schemeClr>
+                </a:solidFill>
+              </a:rPr>
+              <a:t>apachefriends.org</a:t>
+            </a:r>
+            <a:r>
+              <a:rPr lang="pt-BR" sz="2000" dirty="0" smtClean="0"/>
+              <a:t>’ como mostra o </a:t>
+            </a:r>
+            <a:r>
+              <a:rPr lang="pt-BR" sz="2000" dirty="0" err="1" smtClean="0"/>
+              <a:t>print</a:t>
+            </a:r>
+            <a:r>
+              <a:rPr lang="pt-BR" sz="2000" dirty="0" smtClean="0"/>
+              <a:t> acima. Baixe e instale o programa antes de começar.</a:t>
+            </a:r>
+          </a:p>
+          <a:p>
+            <a:r>
+              <a:rPr lang="pt-BR" sz="2000" dirty="0" smtClean="0"/>
+              <a:t>Caso já tenha o </a:t>
+            </a:r>
+            <a:r>
+              <a:rPr lang="pt-BR" sz="2000" dirty="0" err="1" smtClean="0"/>
+              <a:t>xampp</a:t>
+            </a:r>
+            <a:r>
+              <a:rPr lang="pt-BR" sz="2000" dirty="0" smtClean="0"/>
+              <a:t> instalado em sua maquina pule esta etapa.</a:t>
+            </a:r>
+            <a:endParaRPr lang="pt-BR" sz="2000" dirty="0"/>
+          </a:p>
+        </p:txBody>
+      </p:sp>
+      <p:sp>
+        <p:nvSpPr>
+          <p:cNvPr id="6" name="Seta para baixo 5"/>
+          <p:cNvSpPr/>
+          <p:nvPr/>
+        </p:nvSpPr>
+        <p:spPr>
+          <a:xfrm rot="12371217">
+            <a:off x="1618515" y="3176477"/>
+            <a:ext cx="390040" cy="2614279"/>
+          </a:xfrm>
+          <a:prstGeom prst="downArrow">
+            <a:avLst/>
+          </a:prstGeom>
+          <a:solidFill>
+            <a:srgbClr val="FF0000"/>
+          </a:solidFill>
+        </p:spPr>
+        <p:style>
+          <a:lnRef idx="2">
+            <a:schemeClr val="accent1">
+              <a:shade val="50000"/>
+            </a:schemeClr>
+          </a:lnRef>
+          <a:fillRef idx="1">
+            <a:schemeClr val="accent1"/>
+          </a:fillRef>
+          <a:effectRef idx="0">
+            <a:schemeClr val="accent1"/>
+          </a:effectRef>
+          <a:fontRef idx="minor">
+            <a:schemeClr val="lt1"/>
+          </a:fontRef>
+        </p:style>
+        <p:txBody>
+          <a:bodyPr rtlCol="0" anchor="ctr"/>
+          <a:lstStyle/>
+          <a:p>
+            <a:pPr algn="ctr"/>
+            <a:endParaRPr lang="pt-BR"/>
+          </a:p>
+        </p:txBody>
+      </p:sp>
+    </p:spTree>
+    <p:extLst>
+      <p:ext uri="{BB962C8B-B14F-4D97-AF65-F5344CB8AC3E}">
+        <p14:creationId xmlns:p14="http://schemas.microsoft.com/office/powerpoint/2010/main" val="1632212694"/>
+      </p:ext>
+    </p:extLst>
+  </p:cSld>
+  <p:clrMapOvr>
+    <a:masterClrMapping/>
+  </p:clrMapOvr>
+</p:sld>
+</file>
+
+<file path=ppt/slides/slide3.xml><?xml version="1.0" encoding="utf-8"?>
+<p:sld xmlns:a="http://schemas.openxmlformats.org/drawingml/2006/main" xmlns:r="http://schemas.openxmlformats.org/officeDocument/2006/relationships" xmlns:p="http://schemas.openxmlformats.org/presentationml/2006/main">
+  <p:cSld>
+    <p:spTree>
+      <p:nvGrpSpPr>
+        <p:cNvPr id="1" name=""/>
+        <p:cNvGrpSpPr/>
+        <p:nvPr/>
+      </p:nvGrpSpPr>
+      <p:grpSpPr>
+        <a:xfrm>
+          <a:off x="0" y="0"/>
+          <a:ext cx="0" cy="0"/>
+          <a:chOff x="0" y="0"/>
+          <a:chExt cx="0" cy="0"/>
+        </a:xfrm>
+      </p:grpSpPr>
+      <p:pic>
+        <p:nvPicPr>
+          <p:cNvPr id="4" name="Imagem 3"/>
+          <p:cNvPicPr>
+            <a:picLocks noChangeAspect="1"/>
+          </p:cNvPicPr>
+          <p:nvPr/>
+        </p:nvPicPr>
+        <p:blipFill>
+          <a:blip r:embed="rId2"/>
+          <a:stretch>
+            <a:fillRect/>
+          </a:stretch>
+        </p:blipFill>
+        <p:spPr>
+          <a:xfrm>
+            <a:off x="121008" y="0"/>
+            <a:ext cx="6496050" cy="3438659"/>
+          </a:xfrm>
+          <a:prstGeom prst="rect">
+            <a:avLst/>
+          </a:prstGeom>
+        </p:spPr>
+      </p:pic>
+      <p:pic>
+        <p:nvPicPr>
+          <p:cNvPr id="5" name="Imagem 4"/>
+          <p:cNvPicPr>
+            <a:picLocks noChangeAspect="1"/>
+          </p:cNvPicPr>
+          <p:nvPr/>
+        </p:nvPicPr>
+        <p:blipFill>
+          <a:blip r:embed="rId3"/>
+          <a:stretch>
+            <a:fillRect/>
+          </a:stretch>
+        </p:blipFill>
+        <p:spPr>
+          <a:xfrm>
+            <a:off x="140058" y="3670479"/>
+            <a:ext cx="6477000" cy="3187521"/>
+          </a:xfrm>
+          <a:prstGeom prst="rect">
+            <a:avLst/>
+          </a:prstGeom>
+        </p:spPr>
+      </p:pic>
+      <p:sp>
+        <p:nvSpPr>
+          <p:cNvPr id="6" name="Seta para baixo 5"/>
+          <p:cNvSpPr/>
+          <p:nvPr/>
+        </p:nvSpPr>
+        <p:spPr>
+          <a:xfrm rot="16200000">
+            <a:off x="5379423" y="-218944"/>
+            <a:ext cx="329868" cy="2434109"/>
+          </a:xfrm>
+          <a:prstGeom prst="downArrow">
+            <a:avLst/>
+          </a:prstGeom>
+          <a:solidFill>
+            <a:srgbClr val="FF0000"/>
+          </a:solidFill>
+        </p:spPr>
+        <p:style>
+          <a:lnRef idx="2">
+            <a:schemeClr val="accent1">
+              <a:shade val="50000"/>
+            </a:schemeClr>
+          </a:lnRef>
+          <a:fillRef idx="1">
+            <a:schemeClr val="accent1"/>
+          </a:fillRef>
+          <a:effectRef idx="0">
+            <a:schemeClr val="accent1"/>
+          </a:effectRef>
+          <a:fontRef idx="minor">
+            <a:schemeClr val="lt1"/>
+          </a:fontRef>
+        </p:style>
+        <p:txBody>
+          <a:bodyPr rtlCol="0" anchor="ctr"/>
+          <a:lstStyle/>
+          <a:p>
+            <a:pPr algn="ctr"/>
+            <a:endParaRPr lang="pt-BR"/>
+          </a:p>
+        </p:txBody>
+      </p:sp>
+      <p:sp>
+        <p:nvSpPr>
+          <p:cNvPr id="7" name="Elipse 6"/>
+          <p:cNvSpPr/>
+          <p:nvPr/>
+        </p:nvSpPr>
+        <p:spPr>
+          <a:xfrm>
+            <a:off x="38706" y="682580"/>
+            <a:ext cx="4172686" cy="631065"/>
+          </a:xfrm>
+          <a:prstGeom prst="ellipse">
+            <a:avLst/>
+          </a:prstGeom>
+          <a:noFill/>
+          <a:ln w="57150">
+            <a:solidFill>
+              <a:srgbClr val="FF0000"/>
+            </a:solidFill>
+          </a:ln>
+        </p:spPr>
+        <p:style>
+          <a:lnRef idx="2">
+            <a:schemeClr val="accent1">
+              <a:shade val="50000"/>
+            </a:schemeClr>
+          </a:lnRef>
+          <a:fillRef idx="1">
+            <a:schemeClr val="accent1"/>
+          </a:fillRef>
+          <a:effectRef idx="0">
+            <a:schemeClr val="accent1"/>
+          </a:effectRef>
+          <a:fontRef idx="minor">
+            <a:schemeClr val="lt1"/>
+          </a:fontRef>
+        </p:style>
+        <p:txBody>
+          <a:bodyPr rtlCol="0" anchor="ctr"/>
+          <a:lstStyle/>
+          <a:p>
+            <a:pPr algn="ctr"/>
+            <a:endParaRPr lang="pt-BR"/>
+          </a:p>
+        </p:txBody>
+      </p:sp>
+      <p:sp>
+        <p:nvSpPr>
+          <p:cNvPr id="10" name="Seta para baixo 9"/>
+          <p:cNvSpPr/>
+          <p:nvPr/>
+        </p:nvSpPr>
+        <p:spPr>
+          <a:xfrm rot="16200000">
+            <a:off x="5474606" y="3374257"/>
+            <a:ext cx="329868" cy="2434109"/>
+          </a:xfrm>
+          <a:prstGeom prst="downArrow">
+            <a:avLst/>
+          </a:prstGeom>
+          <a:solidFill>
+            <a:srgbClr val="0070C0"/>
+          </a:solidFill>
+        </p:spPr>
+        <p:style>
+          <a:lnRef idx="2">
+            <a:schemeClr val="accent1">
+              <a:shade val="50000"/>
+            </a:schemeClr>
+          </a:lnRef>
+          <a:fillRef idx="1">
+            <a:schemeClr val="accent1"/>
+          </a:fillRef>
+          <a:effectRef idx="0">
+            <a:schemeClr val="accent1"/>
+          </a:effectRef>
+          <a:fontRef idx="minor">
+            <a:schemeClr val="lt1"/>
+          </a:fontRef>
+        </p:style>
+        <p:txBody>
+          <a:bodyPr rtlCol="0" anchor="ctr"/>
+          <a:lstStyle/>
+          <a:p>
+            <a:pPr algn="ctr"/>
+            <a:endParaRPr lang="pt-BR"/>
+          </a:p>
+        </p:txBody>
+      </p:sp>
+      <p:sp>
+        <p:nvSpPr>
+          <p:cNvPr id="11" name="Elipse 10"/>
+          <p:cNvSpPr/>
+          <p:nvPr/>
+        </p:nvSpPr>
+        <p:spPr>
+          <a:xfrm>
+            <a:off x="133889" y="4275781"/>
+            <a:ext cx="4172686" cy="631065"/>
+          </a:xfrm>
+          <a:prstGeom prst="ellipse">
+            <a:avLst/>
+          </a:prstGeom>
+          <a:noFill/>
+          <a:ln w="57150">
+            <a:solidFill>
+              <a:srgbClr val="0070C0"/>
+            </a:solidFill>
+          </a:ln>
+        </p:spPr>
+        <p:style>
+          <a:lnRef idx="2">
+            <a:schemeClr val="accent1">
+              <a:shade val="50000"/>
+            </a:schemeClr>
+          </a:lnRef>
+          <a:fillRef idx="1">
+            <a:schemeClr val="accent1"/>
+          </a:fillRef>
+          <a:effectRef idx="0">
+            <a:schemeClr val="accent1"/>
+          </a:effectRef>
+          <a:fontRef idx="minor">
+            <a:schemeClr val="lt1"/>
+          </a:fontRef>
+        </p:style>
+        <p:txBody>
+          <a:bodyPr rtlCol="0" anchor="ctr"/>
+          <a:lstStyle/>
+          <a:p>
+            <a:pPr algn="ctr"/>
+            <a:endParaRPr lang="pt-BR"/>
+          </a:p>
+        </p:txBody>
+      </p:sp>
+      <p:sp>
+        <p:nvSpPr>
+          <p:cNvPr id="12" name="CaixaDeTexto 11"/>
+          <p:cNvSpPr txBox="1"/>
+          <p:nvPr/>
+        </p:nvSpPr>
+        <p:spPr>
+          <a:xfrm>
+            <a:off x="6958888" y="682580"/>
+            <a:ext cx="4778062" cy="646331"/>
+          </a:xfrm>
+          <a:prstGeom prst="rect">
+            <a:avLst/>
+          </a:prstGeom>
+          <a:noFill/>
+        </p:spPr>
+        <p:txBody>
+          <a:bodyPr wrap="square" rtlCol="0">
+            <a:spAutoFit/>
+          </a:bodyPr>
+          <a:lstStyle/>
+          <a:p>
+            <a:r>
+              <a:rPr lang="pt-BR" dirty="0" smtClean="0">
+                <a:solidFill>
+                  <a:srgbClr val="FF0000"/>
+                </a:solidFill>
+              </a:rPr>
+              <a:t>Após instalar o aplicativo </a:t>
+            </a:r>
+            <a:r>
+              <a:rPr lang="pt-BR" dirty="0" err="1" smtClean="0">
+                <a:solidFill>
+                  <a:srgbClr val="FF0000"/>
+                </a:solidFill>
+              </a:rPr>
+              <a:t>xampp</a:t>
+            </a:r>
+            <a:r>
+              <a:rPr lang="pt-BR" dirty="0" smtClean="0">
+                <a:solidFill>
+                  <a:srgbClr val="FF0000"/>
+                </a:solidFill>
+              </a:rPr>
+              <a:t> pressione o botão ‘start’ dos itens ‘Apache’ e ‘MySQL’ </a:t>
+            </a:r>
+            <a:endParaRPr lang="pt-BR" dirty="0">
+              <a:solidFill>
+                <a:srgbClr val="FF0000"/>
+              </a:solidFill>
+            </a:endParaRPr>
+          </a:p>
+        </p:txBody>
+      </p:sp>
+      <p:sp>
+        <p:nvSpPr>
+          <p:cNvPr id="14" name="CaixaDeTexto 13"/>
+          <p:cNvSpPr txBox="1"/>
+          <p:nvPr/>
+        </p:nvSpPr>
+        <p:spPr>
+          <a:xfrm>
+            <a:off x="7235780" y="4260515"/>
+            <a:ext cx="4778062" cy="646331"/>
+          </a:xfrm>
+          <a:prstGeom prst="rect">
+            <a:avLst/>
+          </a:prstGeom>
+          <a:noFill/>
+        </p:spPr>
+        <p:txBody>
+          <a:bodyPr wrap="square" rtlCol="0">
+            <a:spAutoFit/>
+          </a:bodyPr>
+          <a:lstStyle/>
+          <a:p>
+            <a:r>
+              <a:rPr lang="pt-BR" dirty="0" smtClean="0">
+                <a:solidFill>
+                  <a:srgbClr val="0070C0"/>
+                </a:solidFill>
+              </a:rPr>
+              <a:t>Aguarde até que a palavra ‘start’ seja substituída por ‘stop’ e pode fechar o a janela do </a:t>
+            </a:r>
+            <a:r>
+              <a:rPr lang="pt-BR" dirty="0" err="1" smtClean="0">
+                <a:solidFill>
+                  <a:srgbClr val="0070C0"/>
+                </a:solidFill>
+              </a:rPr>
+              <a:t>xampp</a:t>
+            </a:r>
+            <a:endParaRPr lang="pt-BR" dirty="0">
+              <a:solidFill>
+                <a:srgbClr val="0070C0"/>
+              </a:solidFill>
+            </a:endParaRPr>
+          </a:p>
+        </p:txBody>
+      </p:sp>
+    </p:spTree>
+    <p:extLst>
+      <p:ext uri="{BB962C8B-B14F-4D97-AF65-F5344CB8AC3E}">
+        <p14:creationId xmlns:p14="http://schemas.microsoft.com/office/powerpoint/2010/main" val="3266461018"/>
+      </p:ext>
+    </p:extLst>
+  </p:cSld>
+  <p:clrMapOvr>
+    <a:masterClrMapping/>
+  </p:clrMapOvr>
+</p:sld>
+</file>
+
+<file path=ppt/slides/slide4.xml><?xml version="1.0" encoding="utf-8"?>
+<p:sld xmlns:a="http://schemas.openxmlformats.org/drawingml/2006/main" xmlns:r="http://schemas.openxmlformats.org/officeDocument/2006/relationships" xmlns:p="http://schemas.openxmlformats.org/presentationml/2006/main">
+  <p:cSld>
+    <p:spTree>
+      <p:nvGrpSpPr>
+        <p:cNvPr id="1" name=""/>
+        <p:cNvGrpSpPr/>
+        <p:nvPr/>
+      </p:nvGrpSpPr>
+      <p:grpSpPr>
+        <a:xfrm>
+          <a:off x="0" y="0"/>
+          <a:ext cx="0" cy="0"/>
+          <a:chOff x="0" y="0"/>
+          <a:chExt cx="0" cy="0"/>
+        </a:xfrm>
+      </p:grpSpPr>
+      <p:sp>
+        <p:nvSpPr>
+          <p:cNvPr id="3" name="Subtítulo 2"/>
+          <p:cNvSpPr>
+            <a:spLocks noGrp="1"/>
+          </p:cNvSpPr>
+          <p:nvPr>
+            <p:ph type="subTitle" idx="1"/>
+          </p:nvPr>
+        </p:nvSpPr>
+        <p:spPr/>
+        <p:txBody>
+          <a:bodyPr/>
+          <a:lstStyle/>
+          <a:p>
+            <a:endParaRPr lang="pt-BR" dirty="0"/>
+          </a:p>
+        </p:txBody>
+      </p:sp>
+      <p:pic>
+        <p:nvPicPr>
+          <p:cNvPr id="5" name="Imagem 4"/>
+          <p:cNvPicPr>
+            <a:picLocks noChangeAspect="1"/>
+          </p:cNvPicPr>
+          <p:nvPr/>
+        </p:nvPicPr>
+        <p:blipFill>
+          <a:blip r:embed="rId2"/>
+          <a:stretch>
+            <a:fillRect/>
+          </a:stretch>
+        </p:blipFill>
+        <p:spPr>
+          <a:xfrm>
+            <a:off x="0" y="0"/>
+            <a:ext cx="12192000" cy="6858000"/>
+          </a:xfrm>
+          <a:prstGeom prst="rect">
+            <a:avLst/>
+          </a:prstGeom>
+        </p:spPr>
+      </p:pic>
+      <p:sp>
+        <p:nvSpPr>
+          <p:cNvPr id="6" name="Seta para baixo 5"/>
+          <p:cNvSpPr/>
+          <p:nvPr/>
+        </p:nvSpPr>
+        <p:spPr>
+          <a:xfrm rot="10011818">
+            <a:off x="4005331" y="2076716"/>
+            <a:ext cx="528033" cy="2756079"/>
+          </a:xfrm>
+          <a:prstGeom prst="downArrow">
+            <a:avLst/>
+          </a:prstGeom>
+          <a:solidFill>
+            <a:srgbClr val="FF0000"/>
+          </a:solidFill>
+        </p:spPr>
+        <p:style>
+          <a:lnRef idx="2">
+            <a:schemeClr val="accent1">
+              <a:shade val="50000"/>
+            </a:schemeClr>
+          </a:lnRef>
+          <a:fillRef idx="1">
+            <a:schemeClr val="accent1"/>
+          </a:fillRef>
+          <a:effectRef idx="0">
+            <a:schemeClr val="accent1"/>
+          </a:effectRef>
+          <a:fontRef idx="minor">
+            <a:schemeClr val="lt1"/>
+          </a:fontRef>
+        </p:style>
+        <p:txBody>
+          <a:bodyPr rtlCol="0" anchor="ctr"/>
+          <a:lstStyle/>
+          <a:p>
+            <a:pPr algn="ctr"/>
+            <a:endParaRPr lang="pt-BR"/>
+          </a:p>
+        </p:txBody>
+      </p:sp>
+      <p:cxnSp>
+        <p:nvCxnSpPr>
+          <p:cNvPr id="9" name="Conector reto 8"/>
+          <p:cNvCxnSpPr/>
+          <p:nvPr/>
+        </p:nvCxnSpPr>
+        <p:spPr>
+          <a:xfrm>
+            <a:off x="2752456" y="2052773"/>
+            <a:ext cx="1893194" cy="0"/>
+          </a:xfrm>
+          <a:prstGeom prst="line">
+            <a:avLst/>
+          </a:prstGeom>
+          <a:ln w="57150">
+            <a:solidFill>
+              <a:srgbClr val="FF0000"/>
+            </a:solidFill>
+          </a:ln>
+        </p:spPr>
+        <p:style>
+          <a:lnRef idx="1">
+            <a:schemeClr val="accent1"/>
+          </a:lnRef>
+          <a:fillRef idx="0">
+            <a:schemeClr val="accent1"/>
+          </a:fillRef>
+          <a:effectRef idx="0">
+            <a:schemeClr val="accent1"/>
+          </a:effectRef>
+          <a:fontRef idx="minor">
+            <a:schemeClr val="tx1"/>
+          </a:fontRef>
+        </p:style>
+      </p:cxnSp>
+      <p:sp>
+        <p:nvSpPr>
+          <p:cNvPr id="11" name="CaixaDeTexto 10"/>
+          <p:cNvSpPr txBox="1"/>
+          <p:nvPr/>
+        </p:nvSpPr>
+        <p:spPr>
+          <a:xfrm>
+            <a:off x="4146998" y="4888468"/>
+            <a:ext cx="5550794" cy="646331"/>
+          </a:xfrm>
+          <a:prstGeom prst="rect">
+            <a:avLst/>
+          </a:prstGeom>
+          <a:noFill/>
+        </p:spPr>
+        <p:txBody>
+          <a:bodyPr wrap="square" rtlCol="0">
+            <a:spAutoFit/>
+          </a:bodyPr>
+          <a:lstStyle/>
+          <a:p>
+            <a:r>
+              <a:rPr lang="pt-BR" sz="3600" dirty="0" smtClean="0">
+                <a:solidFill>
+                  <a:srgbClr val="FF0000"/>
+                </a:solidFill>
+                <a:effectLst>
+                  <a:outerShdw blurRad="38100" dist="38100" dir="2700000" algn="tl">
+                    <a:srgbClr val="000000">
+                      <a:alpha val="43137"/>
+                    </a:srgbClr>
+                  </a:outerShdw>
+                </a:effectLst>
+              </a:rPr>
+              <a:t>Abra a pasta ‘APLICATIVO’</a:t>
+            </a:r>
+            <a:endParaRPr lang="pt-BR" sz="3600" dirty="0">
+              <a:solidFill>
+                <a:srgbClr val="FF0000"/>
+              </a:solidFill>
+              <a:effectLst>
+                <a:outerShdw blurRad="38100" dist="38100" dir="2700000" algn="tl">
+                  <a:srgbClr val="000000">
+                    <a:alpha val="43137"/>
+                  </a:srgbClr>
+                </a:outerShdw>
+              </a:effectLst>
+            </a:endParaRPr>
+          </a:p>
+        </p:txBody>
+      </p:sp>
+    </p:spTree>
+    <p:extLst>
+      <p:ext uri="{BB962C8B-B14F-4D97-AF65-F5344CB8AC3E}">
+        <p14:creationId xmlns:p14="http://schemas.microsoft.com/office/powerpoint/2010/main" val="2971700047"/>
+      </p:ext>
+    </p:extLst>
+  </p:cSld>
+  <p:clrMapOvr>
+    <a:masterClrMapping/>
+  </p:clrMapOvr>
+</p:sld>
+</file>
+
+<file path=ppt/slides/slide5.xml><?xml version="1.0" encoding="utf-8"?>
+<p:sld xmlns:a="http://schemas.openxmlformats.org/drawingml/2006/main" xmlns:r="http://schemas.openxmlformats.org/officeDocument/2006/relationships" xmlns:p="http://schemas.openxmlformats.org/presentationml/2006/main">
+  <p:cSld>
+    <p:spTree>
+      <p:nvGrpSpPr>
+        <p:cNvPr id="1" name=""/>
+        <p:cNvGrpSpPr/>
+        <p:nvPr/>
+      </p:nvGrpSpPr>
+      <p:grpSpPr>
+        <a:xfrm>
+          <a:off x="0" y="0"/>
+          <a:ext cx="0" cy="0"/>
+          <a:chOff x="0" y="0"/>
+          <a:chExt cx="0" cy="0"/>
+        </a:xfrm>
+      </p:grpSpPr>
+      <p:sp>
+        <p:nvSpPr>
+          <p:cNvPr id="2" name="Título 1"/>
+          <p:cNvSpPr>
+            <a:spLocks noGrp="1"/>
+          </p:cNvSpPr>
+          <p:nvPr>
+            <p:ph type="title"/>
+          </p:nvPr>
+        </p:nvSpPr>
+        <p:spPr/>
+        <p:txBody>
+          <a:bodyPr/>
+          <a:lstStyle/>
+          <a:p>
+            <a:endParaRPr lang="pt-BR" dirty="0"/>
+          </a:p>
+        </p:txBody>
+      </p:sp>
+      <p:pic>
+        <p:nvPicPr>
+          <p:cNvPr id="4" name="Espaço Reservado para Conteúdo 3"/>
+          <p:cNvPicPr>
+            <a:picLocks noGrp="1" noChangeAspect="1"/>
+          </p:cNvPicPr>
+          <p:nvPr>
+            <p:ph idx="1"/>
+          </p:nvPr>
+        </p:nvPicPr>
+        <p:blipFill>
+          <a:blip r:embed="rId2"/>
+          <a:stretch>
+            <a:fillRect/>
+          </a:stretch>
+        </p:blipFill>
+        <p:spPr>
+          <a:xfrm>
+            <a:off x="0" y="0"/>
+            <a:ext cx="12192000" cy="6858000"/>
+          </a:xfrm>
+          <a:prstGeom prst="rect">
+            <a:avLst/>
+          </a:prstGeom>
+        </p:spPr>
+      </p:pic>
+      <p:sp>
+        <p:nvSpPr>
+          <p:cNvPr id="5" name="Seta para baixo 4"/>
+          <p:cNvSpPr/>
+          <p:nvPr/>
+        </p:nvSpPr>
+        <p:spPr>
+          <a:xfrm rot="10011818">
+            <a:off x="3963458" y="2426301"/>
+            <a:ext cx="528033" cy="2614279"/>
+          </a:xfrm>
+          <a:prstGeom prst="downArrow">
+            <a:avLst/>
+          </a:prstGeom>
+          <a:solidFill>
+            <a:srgbClr val="FF0000"/>
+          </a:solidFill>
+        </p:spPr>
+        <p:style>
+          <a:lnRef idx="2">
+            <a:schemeClr val="accent1">
+              <a:shade val="50000"/>
+            </a:schemeClr>
+          </a:lnRef>
+          <a:fillRef idx="1">
+            <a:schemeClr val="accent1"/>
+          </a:fillRef>
+          <a:effectRef idx="0">
+            <a:schemeClr val="accent1"/>
+          </a:effectRef>
+          <a:fontRef idx="minor">
+            <a:schemeClr val="lt1"/>
+          </a:fontRef>
+        </p:style>
+        <p:txBody>
+          <a:bodyPr rtlCol="0" anchor="ctr"/>
+          <a:lstStyle/>
+          <a:p>
+            <a:pPr algn="ctr"/>
+            <a:endParaRPr lang="pt-BR"/>
+          </a:p>
+        </p:txBody>
+      </p:sp>
+      <p:cxnSp>
+        <p:nvCxnSpPr>
+          <p:cNvPr id="6" name="Conector reto 5"/>
+          <p:cNvCxnSpPr/>
+          <p:nvPr/>
+        </p:nvCxnSpPr>
+        <p:spPr>
+          <a:xfrm>
+            <a:off x="2726697" y="2400503"/>
+            <a:ext cx="1893194" cy="0"/>
+          </a:xfrm>
+          <a:prstGeom prst="line">
+            <a:avLst/>
+          </a:prstGeom>
+          <a:ln w="57150">
+            <a:solidFill>
+              <a:srgbClr val="FF0000"/>
+            </a:solidFill>
+          </a:ln>
+        </p:spPr>
+        <p:style>
+          <a:lnRef idx="1">
+            <a:schemeClr val="accent1"/>
+          </a:lnRef>
+          <a:fillRef idx="0">
+            <a:schemeClr val="accent1"/>
+          </a:fillRef>
+          <a:effectRef idx="0">
+            <a:schemeClr val="accent1"/>
+          </a:effectRef>
+          <a:fontRef idx="minor">
+            <a:schemeClr val="tx1"/>
+          </a:fontRef>
+        </p:style>
+      </p:cxnSp>
+      <p:sp>
+        <p:nvSpPr>
+          <p:cNvPr id="7" name="CaixaDeTexto 6"/>
+          <p:cNvSpPr txBox="1"/>
+          <p:nvPr/>
+        </p:nvSpPr>
+        <p:spPr>
+          <a:xfrm>
+            <a:off x="4121239" y="5122322"/>
+            <a:ext cx="7894750" cy="1754326"/>
+          </a:xfrm>
+          <a:prstGeom prst="rect">
+            <a:avLst/>
+          </a:prstGeom>
+          <a:noFill/>
+        </p:spPr>
+        <p:txBody>
+          <a:bodyPr wrap="square" rtlCol="0">
+            <a:spAutoFit/>
+          </a:bodyPr>
+          <a:lstStyle/>
+          <a:p>
+            <a:r>
+              <a:rPr lang="pt-BR" sz="3600" dirty="0" smtClean="0">
+                <a:solidFill>
+                  <a:srgbClr val="FF0000"/>
+                </a:solidFill>
+                <a:effectLst>
+                  <a:outerShdw blurRad="38100" dist="38100" dir="2700000" algn="tl">
+                    <a:srgbClr val="000000">
+                      <a:alpha val="43137"/>
+                    </a:srgbClr>
+                  </a:outerShdw>
+                </a:effectLst>
+              </a:rPr>
+              <a:t>Abra o arquivo executável ‘Aplicativo’ dando dois cliques com o botão esquerdo do mouse</a:t>
+            </a:r>
+            <a:endParaRPr lang="pt-BR" sz="3600" dirty="0">
+              <a:solidFill>
+                <a:srgbClr val="FF0000"/>
+              </a:solidFill>
+              <a:effectLst>
+                <a:outerShdw blurRad="38100" dist="38100" dir="2700000" algn="tl">
+                  <a:srgbClr val="000000">
+                    <a:alpha val="43137"/>
+                  </a:srgbClr>
+                </a:outerShdw>
+              </a:effectLst>
+            </a:endParaRPr>
+          </a:p>
+        </p:txBody>
+      </p:sp>
+    </p:spTree>
+    <p:extLst>
+      <p:ext uri="{BB962C8B-B14F-4D97-AF65-F5344CB8AC3E}">
+        <p14:creationId xmlns:p14="http://schemas.microsoft.com/office/powerpoint/2010/main" val="311100426"/>
       </p:ext>
     </p:extLst>
   </p:cSld>
@@ -4347,11 +5381,13 @@
       </p:sp>
       <p:pic>
         <p:nvPicPr>
-          <p:cNvPr id="4" name="Imagem 3"/>
+          <p:cNvPr id="4" name="Espaço Reservado para Conteúdo 3"/>
           <p:cNvPicPr>
-            <a:picLocks noChangeAspect="1"/>
+            <a:picLocks noGrp="1" noChangeAspect="1"/>
           </p:cNvPicPr>
-          <p:nvPr/>
+          <p:nvPr>
+            <p:ph idx="1"/>
+          </p:nvPr>
         </p:nvPicPr>
         <p:blipFill>
           <a:blip r:embed="rId2"/>
@@ -4361,8 +5397,8 @@
         </p:blipFill>
         <p:spPr>
           <a:xfrm>
-            <a:off x="-1" y="0"/>
-            <a:ext cx="12192001" cy="4842456"/>
+            <a:off x="0" y="0"/>
+            <a:ext cx="12192000" cy="6967470"/>
           </a:xfrm>
           <a:prstGeom prst="rect">
             <a:avLst/>
@@ -4371,14 +5407,14 @@
       </p:pic>
       <p:sp>
         <p:nvSpPr>
-          <p:cNvPr id="6" name="CaixaDeTexto 5"/>
+          <p:cNvPr id="10" name="CaixaDeTexto 9"/>
           <p:cNvSpPr txBox="1"/>
           <p:nvPr/>
         </p:nvSpPr>
         <p:spPr>
           <a:xfrm>
-            <a:off x="0" y="4842456"/>
-            <a:ext cx="12191999" cy="2031325"/>
+            <a:off x="154546" y="4092012"/>
+            <a:ext cx="11938716" cy="1754326"/>
           </a:xfrm>
           <a:prstGeom prst="rect">
             <a:avLst/>
@@ -4391,71 +5427,40 @@
           </a:bodyPr>
           <a:lstStyle/>
           <a:p>
-            <a:pPr algn="ctr"/>
-            <a:r>
-              <a:rPr lang="pt-BR" dirty="0" smtClean="0">
-                <a:effectLst>
-                  <a:outerShdw blurRad="38100" dist="38100" dir="2700000" algn="tl">
-                    <a:srgbClr val="000000">
-                      <a:alpha val="43137"/>
-                    </a:srgbClr>
-                  </a:outerShdw>
-                </a:effectLst>
-              </a:rPr>
-              <a:t>PAGINA DE FORMULARIO DO ENSAIO CBR:</a:t>
-            </a:r>
-          </a:p>
-          <a:p>
-            <a:r>
-              <a:rPr lang="pt-BR" dirty="0" smtClean="0"/>
-              <a:t>	Os campos: </a:t>
-            </a:r>
-            <a:r>
-              <a:rPr lang="pt-BR" dirty="0" smtClean="0">
-                <a:effectLst>
-                  <a:outerShdw blurRad="38100" dist="38100" dir="2700000" algn="tl">
-                    <a:srgbClr val="000000">
-                      <a:alpha val="43137"/>
-                    </a:srgbClr>
-                  </a:outerShdw>
-                </a:effectLst>
-              </a:rPr>
-              <a:t>REGISTRO, DATA, IDENTIFICAÇÃO DO CP,MATERIAL, OBRA, OPERADOR, TRECHO e SUBTRECHO </a:t>
-            </a:r>
-            <a:r>
-              <a:rPr lang="pt-BR" dirty="0" smtClean="0"/>
-              <a:t>podem ser preenchidos com letras e números. Os demais campos só aceitam valores numéricos.</a:t>
-            </a:r>
-          </a:p>
-          <a:p>
-            <a:r>
-              <a:rPr lang="pt-BR" dirty="0" smtClean="0"/>
-              <a:t>	Os valores numérico tem como separador da parte inteira e da parte decimal o ponto final ‘.’ </a:t>
-            </a:r>
-          </a:p>
-          <a:p>
-            <a:r>
-              <a:rPr lang="pt-BR" dirty="0" smtClean="0"/>
-              <a:t>	Caso o relatório não seja totalmente preenchido ou alguma das condições acima não seja satisfeita ao apertar o botão ‘SALVAR’ será gerado um tela de erro. Caso tudo esteja certo uma nova janela será aberta.</a:t>
-            </a:r>
-          </a:p>
-          <a:p>
-            <a:r>
-              <a:rPr lang="pt-BR" dirty="0"/>
-              <a:t>	</a:t>
-            </a:r>
-            <a:r>
-              <a:rPr lang="pt-BR" dirty="0" smtClean="0"/>
-              <a:t>O botão ‘VOLTAR’ retorna para a tela anterior.</a:t>
-            </a:r>
-            <a:endParaRPr lang="pt-BR" dirty="0"/>
+            <a:r>
+              <a:rPr lang="pt-BR" sz="3600" dirty="0" smtClean="0">
+                <a:solidFill>
+                  <a:srgbClr val="FF0000"/>
+                </a:solidFill>
+                <a:effectLst>
+                  <a:outerShdw blurRad="38100" dist="38100" dir="2700000" algn="tl">
+                    <a:srgbClr val="000000">
+                      <a:alpha val="43137"/>
+                    </a:srgbClr>
+                  </a:outerShdw>
+                </a:effectLst>
+              </a:rPr>
+              <a:t>Aguarde até esta tela seja aberta no seu computador e escolha o ensaio desejado clicando em um dos botões ‘CBR’ ou ‘Marshall’</a:t>
+            </a:r>
+            <a:endParaRPr lang="pt-BR" sz="3600" dirty="0">
+              <a:solidFill>
+                <a:srgbClr val="FF0000"/>
+              </a:solidFill>
+              <a:effectLst>
+                <a:outerShdw blurRad="38100" dist="38100" dir="2700000" algn="tl">
+                  <a:srgbClr val="000000">
+                    <a:alpha val="43137"/>
+                  </a:srgbClr>
+                </a:outerShdw>
+              </a:effectLst>
+            </a:endParaRPr>
           </a:p>
         </p:txBody>
       </p:sp>
     </p:spTree>
     <p:extLst>
       <p:ext uri="{BB962C8B-B14F-4D97-AF65-F5344CB8AC3E}">
-        <p14:creationId xmlns:p14="http://schemas.microsoft.com/office/powerpoint/2010/main" val="1268494689"/>
+        <p14:creationId xmlns:p14="http://schemas.microsoft.com/office/powerpoint/2010/main" val="2306253687"/>
       </p:ext>
     </p:extLst>
   </p:cSld>
@@ -4498,8 +5503,8 @@
         </p:blipFill>
         <p:spPr>
           <a:xfrm>
-            <a:off x="0" y="5416"/>
-            <a:ext cx="12192000" cy="6858000"/>
+            <a:off x="0" y="0"/>
+            <a:ext cx="12192000" cy="4842456"/>
           </a:xfrm>
           <a:prstGeom prst="rect">
             <a:avLst/>
@@ -4508,57 +5513,14 @@
       </p:pic>
       <p:sp>
         <p:nvSpPr>
-          <p:cNvPr id="5" name="Seta para baixo 4"/>
-          <p:cNvSpPr/>
-          <p:nvPr/>
-        </p:nvSpPr>
-        <p:spPr>
-          <a:xfrm rot="5400000">
-            <a:off x="1558415" y="2117240"/>
-            <a:ext cx="329868" cy="880604"/>
-          </a:xfrm>
-          <a:prstGeom prst="downArrow">
-            <a:avLst/>
-          </a:prstGeom>
-          <a:solidFill>
-            <a:srgbClr val="FF0000"/>
-          </a:solidFill>
-        </p:spPr>
-        <p:style>
-          <a:lnRef idx="2">
-            <a:schemeClr val="accent1">
-              <a:shade val="50000"/>
-            </a:schemeClr>
-          </a:lnRef>
-          <a:fillRef idx="1">
-            <a:schemeClr val="accent1"/>
-          </a:fillRef>
-          <a:effectRef idx="0">
-            <a:schemeClr val="accent1"/>
-          </a:effectRef>
-          <a:fontRef idx="minor">
-            <a:schemeClr val="lt1"/>
-          </a:fontRef>
-        </p:style>
-        <p:txBody>
-          <a:bodyPr rtlCol="0" anchor="ctr"/>
-          <a:lstStyle/>
-          <a:p>
-            <a:pPr algn="ctr"/>
-            <a:endParaRPr lang="pt-BR"/>
-          </a:p>
-        </p:txBody>
-      </p:sp>
-      <p:sp>
-        <p:nvSpPr>
-          <p:cNvPr id="7" name="CaixaDeTexto 6"/>
+          <p:cNvPr id="5" name="CaixaDeTexto 4"/>
           <p:cNvSpPr txBox="1"/>
           <p:nvPr/>
         </p:nvSpPr>
         <p:spPr>
           <a:xfrm>
-            <a:off x="2163651" y="1864756"/>
-            <a:ext cx="10028349" cy="1569660"/>
+            <a:off x="0" y="4842456"/>
+            <a:ext cx="12191999" cy="2031325"/>
           </a:xfrm>
           <a:prstGeom prst="rect">
             <a:avLst/>
@@ -4571,372 +5533,71 @@
           </a:bodyPr>
           <a:lstStyle/>
           <a:p>
-            <a:r>
-              <a:rPr lang="pt-BR" sz="2400" dirty="0" smtClean="0">
-                <a:solidFill>
-                  <a:srgbClr val="FF0000"/>
-                </a:solidFill>
-                <a:effectLst>
-                  <a:outerShdw blurRad="38100" dist="38100" dir="2700000" algn="tl">
-                    <a:srgbClr val="000000">
-                      <a:alpha val="43137"/>
-                    </a:srgbClr>
-                  </a:outerShdw>
-                </a:effectLst>
-              </a:rPr>
-              <a:t>Escolha a porta COM que o seu computador esta conectado (dando dois cliques)e em seguida aperte o botão ‘CONECTAR’  localizado logo abaixo. Caso a porta COM não apareça de inicio aperte o botão ‘BUSCAR’ localizado logo abaixo</a:t>
-            </a:r>
-            <a:endParaRPr lang="pt-BR" sz="2400" dirty="0">
-              <a:solidFill>
-                <a:srgbClr val="FF0000"/>
-              </a:solidFill>
-              <a:effectLst>
-                <a:outerShdw blurRad="38100" dist="38100" dir="2700000" algn="tl">
-                  <a:srgbClr val="000000">
-                    <a:alpha val="43137"/>
-                  </a:srgbClr>
-                </a:outerShdw>
-              </a:effectLst>
-            </a:endParaRPr>
-          </a:p>
-        </p:txBody>
-      </p:sp>
-      <p:sp>
-        <p:nvSpPr>
-          <p:cNvPr id="9" name="Seta para baixo 8"/>
-          <p:cNvSpPr/>
-          <p:nvPr/>
-        </p:nvSpPr>
-        <p:spPr>
-          <a:xfrm rot="585936">
-            <a:off x="10247557" y="4980817"/>
-            <a:ext cx="440747" cy="723729"/>
-          </a:xfrm>
-          <a:prstGeom prst="downArrow">
-            <a:avLst/>
-          </a:prstGeom>
-          <a:solidFill>
-            <a:srgbClr val="FFC000"/>
-          </a:solidFill>
-        </p:spPr>
-        <p:style>
-          <a:lnRef idx="2">
-            <a:schemeClr val="accent1">
-              <a:shade val="50000"/>
-            </a:schemeClr>
-          </a:lnRef>
-          <a:fillRef idx="1">
-            <a:schemeClr val="accent1"/>
-          </a:fillRef>
-          <a:effectRef idx="0">
-            <a:schemeClr val="accent1"/>
-          </a:effectRef>
-          <a:fontRef idx="minor">
-            <a:schemeClr val="lt1"/>
-          </a:fontRef>
-        </p:style>
-        <p:txBody>
-          <a:bodyPr rtlCol="0" anchor="ctr"/>
-          <a:lstStyle/>
-          <a:p>
             <a:pPr algn="ctr"/>
-            <a:endParaRPr lang="pt-BR">
-              <a:solidFill>
-                <a:srgbClr val="FFC000"/>
-              </a:solidFill>
-            </a:endParaRPr>
-          </a:p>
-        </p:txBody>
-      </p:sp>
-      <p:sp>
-        <p:nvSpPr>
-          <p:cNvPr id="10" name="CaixaDeTexto 9"/>
-          <p:cNvSpPr txBox="1"/>
-          <p:nvPr/>
-        </p:nvSpPr>
-        <p:spPr>
-          <a:xfrm>
-            <a:off x="8822028" y="3379021"/>
-            <a:ext cx="3472755" cy="1569660"/>
-          </a:xfrm>
-          <a:prstGeom prst="rect">
-            <a:avLst/>
-          </a:prstGeom>
-          <a:noFill/>
-        </p:spPr>
-        <p:txBody>
-          <a:bodyPr wrap="square" rtlCol="0">
-            <a:spAutoFit/>
-          </a:bodyPr>
-          <a:lstStyle/>
-          <a:p>
-            <a:r>
-              <a:rPr lang="pt-BR" sz="2400" dirty="0" smtClean="0">
-                <a:solidFill>
-                  <a:srgbClr val="FFC000"/>
-                </a:solidFill>
-                <a:effectLst>
-                  <a:outerShdw blurRad="38100" dist="38100" dir="2700000" algn="tl">
-                    <a:srgbClr val="000000">
-                      <a:alpha val="43137"/>
-                    </a:srgbClr>
-                  </a:outerShdw>
-                </a:effectLst>
-              </a:rPr>
-              <a:t>Esta barra mostra informações importantes e auxilia o usuário no que fazer</a:t>
-            </a:r>
-            <a:endParaRPr lang="pt-BR" sz="2400" dirty="0">
-              <a:solidFill>
-                <a:srgbClr val="FFC000"/>
-              </a:solidFill>
-              <a:effectLst>
-                <a:outerShdw blurRad="38100" dist="38100" dir="2700000" algn="tl">
-                  <a:srgbClr val="000000">
-                    <a:alpha val="43137"/>
-                  </a:srgbClr>
-                </a:outerShdw>
-              </a:effectLst>
-            </a:endParaRPr>
-          </a:p>
-        </p:txBody>
-      </p:sp>
-      <p:sp>
-        <p:nvSpPr>
-          <p:cNvPr id="11" name="Seta para baixo 10"/>
-          <p:cNvSpPr/>
-          <p:nvPr/>
-        </p:nvSpPr>
-        <p:spPr>
-          <a:xfrm rot="4497060">
-            <a:off x="2828664" y="3375461"/>
-            <a:ext cx="540954" cy="1197196"/>
-          </a:xfrm>
-          <a:prstGeom prst="downArrow">
-            <a:avLst/>
-          </a:prstGeom>
-          <a:solidFill>
-            <a:schemeClr val="accent6">
-              <a:lumMod val="50000"/>
-            </a:schemeClr>
-          </a:solidFill>
-        </p:spPr>
-        <p:style>
-          <a:lnRef idx="2">
-            <a:schemeClr val="accent1">
-              <a:shade val="50000"/>
-            </a:schemeClr>
-          </a:lnRef>
-          <a:fillRef idx="1">
-            <a:schemeClr val="accent1"/>
-          </a:fillRef>
-          <a:effectRef idx="0">
-            <a:schemeClr val="accent1"/>
-          </a:effectRef>
-          <a:fontRef idx="minor">
-            <a:schemeClr val="lt1"/>
-          </a:fontRef>
-        </p:style>
-        <p:txBody>
-          <a:bodyPr rtlCol="0" anchor="ctr"/>
-          <a:lstStyle/>
-          <a:p>
-            <a:pPr algn="ctr"/>
-            <a:endParaRPr lang="pt-BR">
-              <a:solidFill>
-                <a:schemeClr val="accent6">
-                  <a:lumMod val="75000"/>
-                </a:schemeClr>
-              </a:solidFill>
-            </a:endParaRPr>
-          </a:p>
-        </p:txBody>
-      </p:sp>
-      <p:sp>
-        <p:nvSpPr>
-          <p:cNvPr id="12" name="CaixaDeTexto 11"/>
-          <p:cNvSpPr txBox="1"/>
-          <p:nvPr/>
-        </p:nvSpPr>
-        <p:spPr>
-          <a:xfrm>
-            <a:off x="3850221" y="3557435"/>
-            <a:ext cx="3778087" cy="461665"/>
-          </a:xfrm>
-          <a:prstGeom prst="rect">
-            <a:avLst/>
-          </a:prstGeom>
-          <a:noFill/>
-        </p:spPr>
-        <p:txBody>
-          <a:bodyPr wrap="square" rtlCol="0">
-            <a:spAutoFit/>
-          </a:bodyPr>
-          <a:lstStyle/>
-          <a:p>
-            <a:r>
-              <a:rPr lang="pt-BR" sz="2400" dirty="0" smtClean="0">
-                <a:solidFill>
-                  <a:schemeClr val="accent6">
-                    <a:lumMod val="75000"/>
-                  </a:schemeClr>
-                </a:solidFill>
-                <a:effectLst>
-                  <a:outerShdw blurRad="38100" dist="38100" dir="2700000" algn="tl">
-                    <a:srgbClr val="000000">
-                      <a:alpha val="43137"/>
-                    </a:srgbClr>
-                  </a:outerShdw>
-                </a:effectLst>
-              </a:rPr>
-              <a:t>Botões de comando:</a:t>
-            </a:r>
-          </a:p>
-        </p:txBody>
-      </p:sp>
-      <p:sp>
-        <p:nvSpPr>
-          <p:cNvPr id="13" name="Elipse 12"/>
-          <p:cNvSpPr/>
-          <p:nvPr/>
-        </p:nvSpPr>
-        <p:spPr>
-          <a:xfrm>
-            <a:off x="2601532" y="5640946"/>
-            <a:ext cx="9362941" cy="1120462"/>
-          </a:xfrm>
-          <a:prstGeom prst="ellipse">
-            <a:avLst/>
-          </a:prstGeom>
-          <a:noFill/>
-          <a:ln w="76200">
-            <a:solidFill>
-              <a:srgbClr val="FFC000"/>
-            </a:solidFill>
-          </a:ln>
-        </p:spPr>
-        <p:style>
-          <a:lnRef idx="2">
-            <a:schemeClr val="accent1">
-              <a:shade val="50000"/>
-            </a:schemeClr>
-          </a:lnRef>
-          <a:fillRef idx="1">
-            <a:schemeClr val="accent1"/>
-          </a:fillRef>
-          <a:effectRef idx="0">
-            <a:schemeClr val="accent1"/>
-          </a:effectRef>
-          <a:fontRef idx="minor">
-            <a:schemeClr val="lt1"/>
-          </a:fontRef>
-        </p:style>
-        <p:txBody>
-          <a:bodyPr rtlCol="0" anchor="ctr"/>
-          <a:lstStyle/>
-          <a:p>
-            <a:pPr algn="ctr"/>
-            <a:endParaRPr lang="pt-BR"/>
-          </a:p>
-        </p:txBody>
-      </p:sp>
-      <p:sp>
-        <p:nvSpPr>
-          <p:cNvPr id="14" name="Elipse 13"/>
-          <p:cNvSpPr/>
-          <p:nvPr/>
-        </p:nvSpPr>
-        <p:spPr>
-          <a:xfrm>
-            <a:off x="631065" y="2392608"/>
-            <a:ext cx="850005" cy="608169"/>
-          </a:xfrm>
-          <a:prstGeom prst="ellipse">
-            <a:avLst/>
-          </a:prstGeom>
-          <a:noFill/>
-          <a:ln w="57150">
-            <a:solidFill>
-              <a:srgbClr val="FF0000"/>
-            </a:solidFill>
-          </a:ln>
-        </p:spPr>
-        <p:style>
-          <a:lnRef idx="2">
-            <a:schemeClr val="accent1">
-              <a:shade val="50000"/>
-            </a:schemeClr>
-          </a:lnRef>
-          <a:fillRef idx="1">
-            <a:schemeClr val="accent1"/>
-          </a:fillRef>
-          <a:effectRef idx="0">
-            <a:schemeClr val="accent1"/>
-          </a:effectRef>
-          <a:fontRef idx="minor">
-            <a:schemeClr val="lt1"/>
-          </a:fontRef>
-        </p:style>
-        <p:txBody>
-          <a:bodyPr rtlCol="0" anchor="ctr"/>
-          <a:lstStyle/>
-          <a:p>
-            <a:pPr algn="ctr"/>
-            <a:endParaRPr lang="pt-BR"/>
-          </a:p>
-        </p:txBody>
-      </p:sp>
-      <p:sp>
-        <p:nvSpPr>
-          <p:cNvPr id="15" name="Elipse 14"/>
-          <p:cNvSpPr/>
-          <p:nvPr/>
-        </p:nvSpPr>
-        <p:spPr>
-          <a:xfrm>
-            <a:off x="-102783" y="3129567"/>
-            <a:ext cx="2884620" cy="3631841"/>
-          </a:xfrm>
-          <a:prstGeom prst="ellipse">
-            <a:avLst/>
-          </a:prstGeom>
-          <a:noFill/>
-          <a:ln w="57150">
-            <a:solidFill>
-              <a:schemeClr val="accent6">
-                <a:lumMod val="50000"/>
-              </a:schemeClr>
-            </a:solidFill>
-          </a:ln>
-        </p:spPr>
-        <p:style>
-          <a:lnRef idx="2">
-            <a:schemeClr val="accent1">
-              <a:shade val="50000"/>
-            </a:schemeClr>
-          </a:lnRef>
-          <a:fillRef idx="1">
-            <a:schemeClr val="accent1"/>
-          </a:fillRef>
-          <a:effectRef idx="0">
-            <a:schemeClr val="accent1"/>
-          </a:effectRef>
-          <a:fontRef idx="minor">
-            <a:schemeClr val="lt1"/>
-          </a:fontRef>
-        </p:style>
-        <p:txBody>
-          <a:bodyPr rtlCol="0" anchor="ctr"/>
-          <a:lstStyle/>
-          <a:p>
-            <a:pPr algn="ctr"/>
-            <a:endParaRPr lang="pt-BR"/>
+            <a:r>
+              <a:rPr lang="pt-BR" dirty="0" smtClean="0">
+                <a:effectLst>
+                  <a:outerShdw blurRad="38100" dist="38100" dir="2700000" algn="tl">
+                    <a:srgbClr val="000000">
+                      <a:alpha val="43137"/>
+                    </a:srgbClr>
+                  </a:outerShdw>
+                </a:effectLst>
+              </a:rPr>
+              <a:t>PAGINA DE RELATORIO DO ENSAIO CBR:</a:t>
+            </a:r>
+          </a:p>
+          <a:p>
+            <a:r>
+              <a:rPr lang="pt-BR" dirty="0" smtClean="0"/>
+              <a:t>	Os campos: </a:t>
+            </a:r>
+            <a:r>
+              <a:rPr lang="pt-BR" dirty="0" smtClean="0">
+                <a:effectLst>
+                  <a:outerShdw blurRad="38100" dist="38100" dir="2700000" algn="tl">
+                    <a:srgbClr val="000000">
+                      <a:alpha val="43137"/>
+                    </a:srgbClr>
+                  </a:outerShdw>
+                </a:effectLst>
+              </a:rPr>
+              <a:t>REGISTRO, DATA, MATERIAL, NUMERO DO MOLDE,  AMOSTRA, FURO, OBRA, OPERADOR, TRECHO e SUBTRECHO</a:t>
+            </a:r>
+            <a:r>
+              <a:rPr lang="pt-BR" dirty="0" smtClean="0"/>
+              <a:t> podem ser preenchidos com letras e números. Os demais campos só aceitam valores numéricos.</a:t>
+            </a:r>
+          </a:p>
+          <a:p>
+            <a:r>
+              <a:rPr lang="pt-BR" dirty="0" smtClean="0"/>
+              <a:t>	Os valores numérico tem como separador da parte inteira e da parte decimal o ponto final ‘.’ </a:t>
+            </a:r>
+          </a:p>
+          <a:p>
+            <a:r>
+              <a:rPr lang="pt-BR" dirty="0" smtClean="0"/>
+              <a:t>	Caso o relatório não seja totalmente preenchido ou alguma das condições acima não seja satisfeita ao apertar o botão ‘SALVAR’ será gerado um tela de erro. Caso tudo esteja certo uma nova janela será aberta.</a:t>
+            </a:r>
+          </a:p>
+          <a:p>
+            <a:r>
+              <a:rPr lang="pt-BR" dirty="0"/>
+              <a:t>	</a:t>
+            </a:r>
+            <a:r>
+              <a:rPr lang="pt-BR" dirty="0" smtClean="0"/>
+              <a:t>O botão ‘VOLTAR’ retorna para a tela anterior</a:t>
+            </a:r>
+            <a:endParaRPr lang="pt-BR" dirty="0"/>
           </a:p>
         </p:txBody>
       </p:sp>
     </p:spTree>
     <p:extLst>
       <p:ext uri="{BB962C8B-B14F-4D97-AF65-F5344CB8AC3E}">
-        <p14:creationId xmlns:p14="http://schemas.microsoft.com/office/powerpoint/2010/main" val="3067325769"/>
+        <p14:creationId xmlns:p14="http://schemas.microsoft.com/office/powerpoint/2010/main" val="2172709713"/>
       </p:ext>
     </p:extLst>
   </p:cSld>
@@ -4947,6 +5608,162 @@
 </file>
 
 <file path=ppt/slides/slide8.xml><?xml version="1.0" encoding="utf-8"?>
+<p:sld xmlns:a="http://schemas.openxmlformats.org/drawingml/2006/main" xmlns:r="http://schemas.openxmlformats.org/officeDocument/2006/relationships" xmlns:p="http://schemas.openxmlformats.org/presentationml/2006/main">
+  <p:cSld>
+    <p:spTree>
+      <p:nvGrpSpPr>
+        <p:cNvPr id="1" name=""/>
+        <p:cNvGrpSpPr/>
+        <p:nvPr/>
+      </p:nvGrpSpPr>
+      <p:grpSpPr>
+        <a:xfrm>
+          <a:off x="0" y="0"/>
+          <a:ext cx="0" cy="0"/>
+          <a:chOff x="0" y="0"/>
+          <a:chExt cx="0" cy="0"/>
+        </a:xfrm>
+      </p:grpSpPr>
+      <p:sp>
+        <p:nvSpPr>
+          <p:cNvPr id="2" name="Título 1"/>
+          <p:cNvSpPr>
+            <a:spLocks noGrp="1"/>
+          </p:cNvSpPr>
+          <p:nvPr>
+            <p:ph type="title"/>
+          </p:nvPr>
+        </p:nvSpPr>
+        <p:spPr/>
+        <p:txBody>
+          <a:bodyPr/>
+          <a:lstStyle/>
+          <a:p>
+            <a:endParaRPr lang="pt-BR"/>
+          </a:p>
+        </p:txBody>
+      </p:sp>
+      <p:pic>
+        <p:nvPicPr>
+          <p:cNvPr id="4" name="Imagem 3"/>
+          <p:cNvPicPr>
+            <a:picLocks noChangeAspect="1"/>
+          </p:cNvPicPr>
+          <p:nvPr/>
+        </p:nvPicPr>
+        <p:blipFill>
+          <a:blip r:embed="rId2"/>
+          <a:stretch>
+            <a:fillRect/>
+          </a:stretch>
+        </p:blipFill>
+        <p:spPr>
+          <a:xfrm>
+            <a:off x="-1" y="0"/>
+            <a:ext cx="12192001" cy="4842456"/>
+          </a:xfrm>
+          <a:prstGeom prst="rect">
+            <a:avLst/>
+          </a:prstGeom>
+        </p:spPr>
+      </p:pic>
+      <p:sp>
+        <p:nvSpPr>
+          <p:cNvPr id="6" name="CaixaDeTexto 5"/>
+          <p:cNvSpPr txBox="1"/>
+          <p:nvPr/>
+        </p:nvSpPr>
+        <p:spPr>
+          <a:xfrm>
+            <a:off x="0" y="4842456"/>
+            <a:ext cx="12191999" cy="2031325"/>
+          </a:xfrm>
+          <a:prstGeom prst="rect">
+            <a:avLst/>
+          </a:prstGeom>
+          <a:noFill/>
+        </p:spPr>
+        <p:txBody>
+          <a:bodyPr wrap="square" rtlCol="0">
+            <a:spAutoFit/>
+          </a:bodyPr>
+          <a:lstStyle/>
+          <a:p>
+            <a:pPr algn="ctr"/>
+            <a:r>
+              <a:rPr lang="pt-BR" dirty="0" smtClean="0">
+                <a:effectLst>
+                  <a:outerShdw blurRad="38100" dist="38100" dir="2700000" algn="tl">
+                    <a:srgbClr val="000000">
+                      <a:alpha val="43137"/>
+                    </a:srgbClr>
+                  </a:outerShdw>
+                </a:effectLst>
+              </a:rPr>
+              <a:t>PAGINA DE FORMULARIO DO ENSAIO CBR:</a:t>
+            </a:r>
+          </a:p>
+          <a:p>
+            <a:r>
+              <a:rPr lang="pt-BR" dirty="0" smtClean="0"/>
+              <a:t>	Os campos: </a:t>
+            </a:r>
+            <a:r>
+              <a:rPr lang="pt-BR" dirty="0" smtClean="0">
+                <a:effectLst>
+                  <a:outerShdw blurRad="38100" dist="38100" dir="2700000" algn="tl">
+                    <a:srgbClr val="000000">
+                      <a:alpha val="43137"/>
+                    </a:srgbClr>
+                  </a:outerShdw>
+                </a:effectLst>
+              </a:rPr>
+              <a:t>REGISTRO, DATA, IDENTIFICAÇÃO DO CP,MATERIAL, OBRA, OPERADOR, TRECHO e SUBTRECHO </a:t>
+            </a:r>
+            <a:r>
+              <a:rPr lang="pt-BR" dirty="0" smtClean="0"/>
+              <a:t>podem ser preenchidos com letras e números. Os demais campos só aceitam valores numéricos.</a:t>
+            </a:r>
+          </a:p>
+          <a:p>
+            <a:r>
+              <a:rPr lang="pt-BR" dirty="0" smtClean="0"/>
+              <a:t>	Os valores numérico tem como separador da parte inteira e da parte decimal o ponto final ‘.’ </a:t>
+            </a:r>
+          </a:p>
+          <a:p>
+            <a:r>
+              <a:rPr lang="pt-BR" dirty="0" smtClean="0"/>
+              <a:t>	Caso o relatório não seja totalmente preenchido ou alguma das condições acima não seja satisfeita ao apertar o botão ‘SALVAR’ será gerado um tela de erro. Caso tudo esteja certo uma nova janela será aberta.</a:t>
+            </a:r>
+          </a:p>
+          <a:p>
+            <a:r>
+              <a:rPr lang="pt-BR" dirty="0"/>
+              <a:t>	</a:t>
+            </a:r>
+            <a:r>
+              <a:rPr lang="pt-BR" dirty="0" smtClean="0"/>
+              <a:t>O botão ‘VOLTAR’ retorna para a tela anterior.</a:t>
+            </a:r>
+            <a:endParaRPr lang="pt-BR" dirty="0"/>
+          </a:p>
+        </p:txBody>
+      </p:sp>
+    </p:spTree>
+    <p:extLst>
+      <p:ext uri="{BB962C8B-B14F-4D97-AF65-F5344CB8AC3E}">
+        <p14:creationId xmlns:p14="http://schemas.microsoft.com/office/powerpoint/2010/main" val="1268494689"/>
+      </p:ext>
+    </p:extLst>
+  </p:cSld>
+  <p:clrMapOvr>
+    <a:masterClrMapping/>
+  </p:clrMapOvr>
+</p:sld>
+</file>
+
+<file path=ppt/slides/slide9.xml><?xml version="1.0" encoding="utf-8"?>
 <p:sld xmlns:a="http://schemas.openxmlformats.org/drawingml/2006/main" xmlns:r="http://schemas.openxmlformats.org/officeDocument/2006/relationships" xmlns:p="http://schemas.openxmlformats.org/presentationml/2006/main">
   <p:cSld>
     <p:spTree>
@@ -4979,8 +5796,8 @@
         </p:blipFill>
         <p:spPr>
           <a:xfrm>
-            <a:off x="0" y="0"/>
-            <a:ext cx="12192000" cy="7038975"/>
+            <a:off x="0" y="5416"/>
+            <a:ext cx="12192000" cy="6858000"/>
           </a:xfrm>
           <a:prstGeom prst="rect">
             <a:avLst/>
@@ -4989,249 +5806,21 @@
       </p:pic>
       <p:sp>
         <p:nvSpPr>
-          <p:cNvPr id="8" name="CaixaDeTexto 7"/>
-          <p:cNvSpPr txBox="1"/>
+          <p:cNvPr id="5" name="Seta para baixo 4"/>
+          <p:cNvSpPr/>
           <p:nvPr/>
         </p:nvSpPr>
         <p:spPr>
-          <a:xfrm>
-            <a:off x="2249510" y="2196777"/>
-            <a:ext cx="9942490" cy="3046988"/>
-          </a:xfrm>
-          <a:prstGeom prst="rect">
+          <a:xfrm rot="5400000">
+            <a:off x="1558415" y="2117240"/>
+            <a:ext cx="329868" cy="880604"/>
+          </a:xfrm>
+          <a:prstGeom prst="downArrow">
             <a:avLst/>
           </a:prstGeom>
-          <a:noFill/>
-        </p:spPr>
-        <p:txBody>
-          <a:bodyPr wrap="square" rtlCol="0">
-            <a:spAutoFit/>
-          </a:bodyPr>
-          <a:lstStyle/>
-          <a:p>
-            <a:r>
-              <a:rPr lang="pt-BR" sz="2400" dirty="0" smtClean="0">
-                <a:solidFill>
-                  <a:srgbClr val="FF0000"/>
-                </a:solidFill>
-                <a:effectLst>
-                  <a:outerShdw blurRad="38100" dist="38100" dir="2700000" algn="tl">
-                    <a:srgbClr val="000000">
-                      <a:alpha val="43137"/>
-                    </a:srgbClr>
-                  </a:outerShdw>
-                </a:effectLst>
-              </a:rPr>
-              <a:t>	Ao se conectar com a prensa os valores de força e deslocamento serão exibidos em tempo real nos lugares </a:t>
-            </a:r>
-            <a:r>
-              <a:rPr lang="pt-BR" sz="2400" dirty="0">
-                <a:solidFill>
-                  <a:srgbClr val="FF0000"/>
-                </a:solidFill>
-                <a:effectLst>
-                  <a:outerShdw blurRad="38100" dist="38100" dir="2700000" algn="tl">
-                    <a:srgbClr val="000000">
-                      <a:alpha val="43137"/>
-                    </a:srgbClr>
-                  </a:outerShdw>
-                </a:effectLst>
-              </a:rPr>
-              <a:t>i</a:t>
-            </a:r>
-            <a:r>
-              <a:rPr lang="pt-BR" sz="2400" dirty="0" smtClean="0">
-                <a:solidFill>
-                  <a:srgbClr val="FF0000"/>
-                </a:solidFill>
-                <a:effectLst>
-                  <a:outerShdw blurRad="38100" dist="38100" dir="2700000" algn="tl">
-                    <a:srgbClr val="000000">
-                      <a:alpha val="43137"/>
-                    </a:srgbClr>
-                  </a:outerShdw>
-                </a:effectLst>
-              </a:rPr>
-              <a:t>ndicados pelos círculos vermelhos.</a:t>
-            </a:r>
-          </a:p>
-          <a:p>
-            <a:r>
-              <a:rPr lang="pt-BR" sz="2400" dirty="0" smtClean="0">
-                <a:solidFill>
-                  <a:srgbClr val="FF0000"/>
-                </a:solidFill>
-                <a:effectLst>
-                  <a:outerShdw blurRad="38100" dist="38100" dir="2700000" algn="tl">
-                    <a:srgbClr val="000000">
-                      <a:alpha val="43137"/>
-                    </a:srgbClr>
-                  </a:outerShdw>
-                </a:effectLst>
-              </a:rPr>
-              <a:t>	O ensaio só pode começar caso sensor de deslocamento esta ajustado em 0.</a:t>
-            </a:r>
-          </a:p>
-          <a:p>
-            <a:r>
-              <a:rPr lang="pt-BR" sz="2400" dirty="0">
-                <a:solidFill>
-                  <a:srgbClr val="FF0000"/>
-                </a:solidFill>
-                <a:effectLst>
-                  <a:outerShdw blurRad="38100" dist="38100" dir="2700000" algn="tl">
-                    <a:srgbClr val="000000">
-                      <a:alpha val="43137"/>
-                    </a:srgbClr>
-                  </a:outerShdw>
-                </a:effectLst>
-              </a:rPr>
-              <a:t>	</a:t>
-            </a:r>
-            <a:r>
-              <a:rPr lang="pt-BR" sz="2400" dirty="0" smtClean="0">
-                <a:solidFill>
-                  <a:srgbClr val="FF0000"/>
-                </a:solidFill>
-                <a:effectLst>
-                  <a:outerShdw blurRad="38100" dist="38100" dir="2700000" algn="tl">
-                    <a:srgbClr val="000000">
-                      <a:alpha val="43137"/>
-                    </a:srgbClr>
-                  </a:outerShdw>
-                </a:effectLst>
-              </a:rPr>
-              <a:t>Só é possível voltar à pagina anterior se o ensaio não tiver começado.</a:t>
-            </a:r>
-          </a:p>
-          <a:p>
-            <a:r>
-              <a:rPr lang="pt-BR" sz="2400" dirty="0">
-                <a:solidFill>
-                  <a:srgbClr val="FF0000"/>
-                </a:solidFill>
-                <a:effectLst>
-                  <a:outerShdw blurRad="38100" dist="38100" dir="2700000" algn="tl">
-                    <a:srgbClr val="000000">
-                      <a:alpha val="43137"/>
-                    </a:srgbClr>
-                  </a:outerShdw>
-                </a:effectLst>
-              </a:rPr>
-              <a:t>	</a:t>
-            </a:r>
-            <a:r>
-              <a:rPr lang="pt-BR" sz="2400" dirty="0" smtClean="0">
-                <a:solidFill>
-                  <a:srgbClr val="FF0000"/>
-                </a:solidFill>
-                <a:effectLst>
-                  <a:outerShdw blurRad="38100" dist="38100" dir="2700000" algn="tl">
-                    <a:srgbClr val="000000">
-                      <a:alpha val="43137"/>
-                    </a:srgbClr>
-                  </a:outerShdw>
-                </a:effectLst>
-              </a:rPr>
-              <a:t>Ao iniciar o ensaio será gerado um gráfico em tempo real na tela</a:t>
-            </a:r>
-          </a:p>
-          <a:p>
-            <a:r>
-              <a:rPr lang="pt-BR" sz="2400" dirty="0">
-                <a:solidFill>
-                  <a:srgbClr val="FF0000"/>
-                </a:solidFill>
-                <a:effectLst>
-                  <a:outerShdw blurRad="38100" dist="38100" dir="2700000" algn="tl">
-                    <a:srgbClr val="000000">
-                      <a:alpha val="43137"/>
-                    </a:srgbClr>
-                  </a:outerShdw>
-                </a:effectLst>
-              </a:rPr>
-              <a:t>	</a:t>
-            </a:r>
-            <a:r>
-              <a:rPr lang="pt-BR" sz="2400" dirty="0" smtClean="0">
-                <a:solidFill>
-                  <a:srgbClr val="FF0000"/>
-                </a:solidFill>
-                <a:effectLst>
-                  <a:outerShdw blurRad="38100" dist="38100" dir="2700000" algn="tl">
-                    <a:srgbClr val="000000">
-                      <a:alpha val="43137"/>
-                    </a:srgbClr>
-                  </a:outerShdw>
-                </a:effectLst>
-              </a:rPr>
-              <a:t>O ensaio é encerrado automaticamente e um </a:t>
-            </a:r>
-            <a:r>
-              <a:rPr lang="pt-BR" sz="2400" dirty="0" err="1" smtClean="0">
-                <a:solidFill>
-                  <a:srgbClr val="FF0000"/>
-                </a:solidFill>
-                <a:effectLst>
-                  <a:outerShdw blurRad="38100" dist="38100" dir="2700000" algn="tl">
-                    <a:srgbClr val="000000">
-                      <a:alpha val="43137"/>
-                    </a:srgbClr>
-                  </a:outerShdw>
-                </a:effectLst>
-              </a:rPr>
-              <a:t>pdf</a:t>
-            </a:r>
-            <a:r>
-              <a:rPr lang="pt-BR" sz="2400" dirty="0" smtClean="0">
-                <a:solidFill>
-                  <a:srgbClr val="FF0000"/>
-                </a:solidFill>
-                <a:effectLst>
-                  <a:outerShdw blurRad="38100" dist="38100" dir="2700000" algn="tl">
-                    <a:srgbClr val="000000">
-                      <a:alpha val="43137"/>
-                    </a:srgbClr>
-                  </a:outerShdw>
-                </a:effectLst>
-              </a:rPr>
-              <a:t> com o relatório é criado. Após o fim do ensaio o aplicativo é finalizado automaticamente.</a:t>
-            </a:r>
-            <a:endParaRPr lang="pt-BR" sz="2400" dirty="0">
-              <a:solidFill>
-                <a:srgbClr val="FF0000"/>
-              </a:solidFill>
-              <a:effectLst>
-                <a:outerShdw blurRad="38100" dist="38100" dir="2700000" algn="tl">
-                  <a:srgbClr val="000000">
-                    <a:alpha val="43137"/>
-                  </a:srgbClr>
-                </a:outerShdw>
-              </a:effectLst>
-            </a:endParaRPr>
-          </a:p>
-        </p:txBody>
-      </p:sp>
-      <p:sp>
-        <p:nvSpPr>
-          <p:cNvPr id="9" name="Elipse 8"/>
-          <p:cNvSpPr/>
-          <p:nvPr/>
-        </p:nvSpPr>
-        <p:spPr>
-          <a:xfrm>
-            <a:off x="8963696" y="1211374"/>
-            <a:ext cx="2189408" cy="759853"/>
-          </a:xfrm>
-          <a:prstGeom prst="ellipse">
-            <a:avLst/>
-          </a:prstGeom>
-          <a:noFill/>
-          <a:ln w="57150">
-            <a:solidFill>
-              <a:srgbClr val="FF0000"/>
-            </a:solidFill>
-          </a:ln>
+          <a:solidFill>
+            <a:srgbClr val="FF0000"/>
+          </a:solidFill>
         </p:spPr>
         <p:style>
           <a:lnRef idx="2">
@@ -5260,24 +5849,73 @@
       </p:sp>
       <p:sp>
         <p:nvSpPr>
-          <p:cNvPr id="10" name="Elipse 9"/>
-          <p:cNvSpPr/>
+          <p:cNvPr id="7" name="CaixaDeTexto 6"/>
+          <p:cNvSpPr txBox="1"/>
           <p:nvPr/>
         </p:nvSpPr>
         <p:spPr>
           <a:xfrm>
-            <a:off x="3760631" y="1211374"/>
-            <a:ext cx="2109990" cy="759853"/>
-          </a:xfrm>
-          <a:prstGeom prst="ellipse">
+            <a:off x="2163651" y="1864756"/>
+            <a:ext cx="10028349" cy="1569660"/>
+          </a:xfrm>
+          <a:prstGeom prst="rect">
             <a:avLst/>
           </a:prstGeom>
           <a:noFill/>
-          <a:ln w="57150">
-            <a:solidFill>
-              <a:srgbClr val="FF0000"/>
-            </a:solidFill>
-          </a:ln>
+        </p:spPr>
+        <p:txBody>
+          <a:bodyPr wrap="square" rtlCol="0">
+            <a:spAutoFit/>
+          </a:bodyPr>
+          <a:lstStyle/>
+          <a:p>
+            <a:r>
+              <a:rPr lang="pt-BR" sz="2400" dirty="0" smtClean="0">
+                <a:solidFill>
+                  <a:srgbClr val="FF0000"/>
+                </a:solidFill>
+                <a:effectLst>
+                  <a:outerShdw blurRad="38100" dist="38100" dir="2700000" algn="tl">
+                    <a:srgbClr val="000000">
+                      <a:alpha val="43137"/>
+                    </a:srgbClr>
+                  </a:outerShdw>
+                </a:effectLst>
+              </a:rPr>
+              <a:t>Escolha a porta COM que o seu computador esta conectado (dando dois cliques)e em seguida aperte o botão ‘CONECTAR’  localizado logo abaixo. Caso a porta COM não apareça de inicio aperte o botão ‘BUSCAR’ localizado logo abaixo</a:t>
+            </a:r>
+            <a:endParaRPr lang="pt-BR" sz="2400" dirty="0">
+              <a:solidFill>
+                <a:srgbClr val="FF0000"/>
+              </a:solidFill>
+              <a:effectLst>
+                <a:outerShdw blurRad="38100" dist="38100" dir="2700000" algn="tl">
+                  <a:srgbClr val="000000">
+                    <a:alpha val="43137"/>
+                  </a:srgbClr>
+                </a:outerShdw>
+              </a:effectLst>
+            </a:endParaRPr>
+          </a:p>
+        </p:txBody>
+      </p:sp>
+      <p:sp>
+        <p:nvSpPr>
+          <p:cNvPr id="9" name="Seta para baixo 8"/>
+          <p:cNvSpPr/>
+          <p:nvPr/>
+        </p:nvSpPr>
+        <p:spPr>
+          <a:xfrm rot="585936">
+            <a:off x="10247557" y="4980817"/>
+            <a:ext cx="440747" cy="723729"/>
+          </a:xfrm>
+          <a:prstGeom prst="downArrow">
+            <a:avLst/>
+          </a:prstGeom>
+          <a:solidFill>
+            <a:srgbClr val="FFC000"/>
+          </a:solidFill>
         </p:spPr>
         <p:style>
           <a:lnRef idx="2">
@@ -5300,74 +5938,24 @@
           <a:lstStyle/>
           <a:p>
             <a:pPr algn="ctr"/>
-            <a:endParaRPr lang="pt-BR"/>
-          </a:p>
-        </p:txBody>
-      </p:sp>
-    </p:spTree>
-    <p:extLst>
-      <p:ext uri="{BB962C8B-B14F-4D97-AF65-F5344CB8AC3E}">
-        <p14:creationId xmlns:p14="http://schemas.microsoft.com/office/powerpoint/2010/main" val="1584093371"/>
-      </p:ext>
-    </p:extLst>
-  </p:cSld>
-  <p:clrMapOvr>
-    <a:masterClrMapping/>
-  </p:clrMapOvr>
-</p:sld>
-</file>
-
-<file path=ppt/slides/slide9.xml><?xml version="1.0" encoding="utf-8"?>
-<p:sld xmlns:a="http://schemas.openxmlformats.org/drawingml/2006/main" xmlns:r="http://schemas.openxmlformats.org/officeDocument/2006/relationships" xmlns:p="http://schemas.openxmlformats.org/presentationml/2006/main">
-  <p:cSld>
-    <p:spTree>
-      <p:nvGrpSpPr>
-        <p:cNvPr id="1" name=""/>
-        <p:cNvGrpSpPr/>
-        <p:nvPr/>
-      </p:nvGrpSpPr>
-      <p:grpSpPr>
-        <a:xfrm>
-          <a:off x="0" y="0"/>
-          <a:ext cx="0" cy="0"/>
-          <a:chOff x="0" y="0"/>
-          <a:chExt cx="0" cy="0"/>
-        </a:xfrm>
-      </p:grpSpPr>
-      <p:pic>
-        <p:nvPicPr>
-          <p:cNvPr id="5" name="Imagem 4"/>
-          <p:cNvPicPr>
-            <a:picLocks noChangeAspect="1"/>
-          </p:cNvPicPr>
-          <p:nvPr/>
-        </p:nvPicPr>
-        <p:blipFill>
-          <a:blip r:embed="rId2"/>
-          <a:stretch>
-            <a:fillRect/>
-          </a:stretch>
-        </p:blipFill>
-        <p:spPr>
-          <a:xfrm>
-            <a:off x="6017453" y="114838"/>
-            <a:ext cx="5978747" cy="2216238"/>
-          </a:xfrm>
-          <a:prstGeom prst="rect">
-            <a:avLst/>
-          </a:prstGeom>
-        </p:spPr>
-      </p:pic>
-      <p:sp>
-        <p:nvSpPr>
-          <p:cNvPr id="6" name="CaixaDeTexto 5"/>
+            <a:endParaRPr lang="pt-BR">
+              <a:solidFill>
+                <a:srgbClr val="FFC000"/>
+              </a:solidFill>
+            </a:endParaRPr>
+          </a:p>
+        </p:txBody>
+      </p:sp>
+      <p:sp>
+        <p:nvSpPr>
+          <p:cNvPr id="10" name="CaixaDeTexto 9"/>
           <p:cNvSpPr txBox="1"/>
           <p:nvPr/>
         </p:nvSpPr>
         <p:spPr>
           <a:xfrm>
-            <a:off x="257553" y="2258166"/>
-            <a:ext cx="4056845" cy="369332"/>
+            <a:off x="8822028" y="3379021"/>
+            <a:ext cx="3472755" cy="1569660"/>
           </a:xfrm>
           <a:prstGeom prst="rect">
             <a:avLst/>
@@ -5381,61 +5969,53 @@
           <a:lstStyle/>
           <a:p>
             <a:r>
-              <a:rPr lang="pt-BR" dirty="0" smtClean="0"/>
-              <a:t>O relatório é criado na pasta ‘</a:t>
-            </a:r>
-            <a:r>
-              <a:rPr lang="pt-BR" dirty="0" err="1" smtClean="0"/>
-              <a:t>Relatorios</a:t>
-            </a:r>
-            <a:r>
-              <a:rPr lang="pt-BR" dirty="0" smtClean="0"/>
-              <a:t>’</a:t>
-            </a:r>
-            <a:endParaRPr lang="pt-BR" dirty="0"/>
-          </a:p>
-        </p:txBody>
-      </p:sp>
-      <p:pic>
-        <p:nvPicPr>
-          <p:cNvPr id="7" name="Imagem 6"/>
-          <p:cNvPicPr>
-            <a:picLocks noChangeAspect="1"/>
-          </p:cNvPicPr>
-          <p:nvPr/>
-        </p:nvPicPr>
-        <p:blipFill>
-          <a:blip r:embed="rId3"/>
-          <a:stretch>
-            <a:fillRect/>
-          </a:stretch>
-        </p:blipFill>
-        <p:spPr>
-          <a:xfrm>
-            <a:off x="0" y="111757"/>
-            <a:ext cx="6017453" cy="2193562"/>
-          </a:xfrm>
-          <a:prstGeom prst="rect">
-            <a:avLst/>
-          </a:prstGeom>
-        </p:spPr>
-      </p:pic>
-      <p:sp>
-        <p:nvSpPr>
-          <p:cNvPr id="8" name="Seta para baixo 7"/>
+              <a:rPr lang="pt-BR" sz="2400" dirty="0" smtClean="0">
+                <a:solidFill>
+                  <a:srgbClr val="FFC000"/>
+                </a:solidFill>
+                <a:effectLst>
+                  <a:outerShdw blurRad="38100" dist="38100" dir="2700000" algn="tl">
+                    <a:srgbClr val="000000">
+                      <a:alpha val="43137"/>
+                    </a:srgbClr>
+                  </a:outerShdw>
+                </a:effectLst>
+              </a:rPr>
+              <a:t>Esta barra mostra informações importantes e auxilia o usuário no que fazer</a:t>
+            </a:r>
+            <a:endParaRPr lang="pt-BR" sz="2400" dirty="0">
+              <a:solidFill>
+                <a:srgbClr val="FFC000"/>
+              </a:solidFill>
+              <a:effectLst>
+                <a:outerShdw blurRad="38100" dist="38100" dir="2700000" algn="tl">
+                  <a:srgbClr val="000000">
+                    <a:alpha val="43137"/>
+                  </a:srgbClr>
+                </a:outerShdw>
+              </a:effectLst>
+            </a:endParaRPr>
+          </a:p>
+        </p:txBody>
+      </p:sp>
+      <p:sp>
+        <p:nvSpPr>
+          <p:cNvPr id="11" name="Seta para baixo 10"/>
           <p:cNvSpPr/>
           <p:nvPr/>
         </p:nvSpPr>
         <p:spPr>
-          <a:xfrm rot="9208402">
-            <a:off x="1128140" y="1449432"/>
-            <a:ext cx="329868" cy="852874"/>
+          <a:xfrm rot="4497060">
+            <a:off x="2828664" y="3375461"/>
+            <a:ext cx="540954" cy="1197196"/>
           </a:xfrm>
           <a:prstGeom prst="downArrow">
             <a:avLst/>
           </a:prstGeom>
           <a:solidFill>
-            <a:srgbClr val="FF0000"/>
+            <a:schemeClr val="accent6">
+              <a:lumMod val="50000"/>
+            </a:schemeClr>
           </a:solidFill>
         </p:spPr>
         <p:style>
@@ -5459,28 +6039,76 @@
           <a:lstStyle/>
           <a:p>
             <a:pPr algn="ctr"/>
-            <a:endParaRPr lang="pt-BR"/>
-          </a:p>
-        </p:txBody>
-      </p:sp>
-      <p:sp>
-        <p:nvSpPr>
-          <p:cNvPr id="9" name="Elipse 8"/>
+            <a:endParaRPr lang="pt-BR">
+              <a:solidFill>
+                <a:schemeClr val="accent6">
+                  <a:lumMod val="75000"/>
+                </a:schemeClr>
+              </a:solidFill>
+            </a:endParaRPr>
+          </a:p>
+        </p:txBody>
+      </p:sp>
+      <p:sp>
+        <p:nvSpPr>
+          <p:cNvPr id="12" name="CaixaDeTexto 11"/>
+          <p:cNvSpPr txBox="1"/>
+          <p:nvPr/>
+        </p:nvSpPr>
+        <p:spPr>
+          <a:xfrm>
+            <a:off x="3850221" y="3557435"/>
+            <a:ext cx="3778087" cy="461665"/>
+          </a:xfrm>
+          <a:prstGeom prst="rect">
+            <a:avLst/>
+          </a:prstGeom>
+          <a:noFill/>
+        </p:spPr>
+        <p:txBody>
+          <a:bodyPr wrap="square" rtlCol="0">
+            <a:spAutoFit/>
+          </a:bodyPr>
+          <a:lstStyle/>
+          <a:p>
+            <a:r>
+              <a:rPr lang="pt-BR" sz="2400" dirty="0" smtClean="0">
+                <a:solidFill>
+                  <a:schemeClr val="accent6">
+                    <a:lumMod val="75000"/>
+                  </a:schemeClr>
+                </a:solidFill>
+                <a:effectLst>
+                  <a:outerShdw blurRad="38100" dist="38100" dir="2700000" algn="tl">
+                    <a:srgbClr val="000000">
+                      <a:alpha val="43137"/>
+                    </a:srgbClr>
+                  </a:outerShdw>
+                </a:effectLst>
+              </a:rPr>
+              <a:t>Botões de comando:</a:t>
+            </a:r>
+          </a:p>
+        </p:txBody>
+      </p:sp>
+      <p:sp>
+        <p:nvSpPr>
+          <p:cNvPr id="13" name="Elipse 12"/>
           <p:cNvSpPr/>
           <p:nvPr/>
         </p:nvSpPr>
         <p:spPr>
           <a:xfrm>
-            <a:off x="38706" y="1012948"/>
-            <a:ext cx="1249181" cy="420017"/>
+            <a:off x="2601532" y="5640946"/>
+            <a:ext cx="9362941" cy="1120462"/>
           </a:xfrm>
           <a:prstGeom prst="ellipse">
             <a:avLst/>
           </a:prstGeom>
           <a:noFill/>
-          <a:ln w="57150">
+          <a:ln w="76200">
             <a:solidFill>
-              <a:srgbClr val="FF0000"/>
+              <a:srgbClr val="FFC000"/>
             </a:solidFill>
           </a:ln>
         </p:spPr>
@@ -5511,21 +6139,24 @@
       </p:sp>
       <p:sp>
         <p:nvSpPr>
-          <p:cNvPr id="11" name="Seta para baixo 10"/>
+          <p:cNvPr id="14" name="Elipse 13"/>
           <p:cNvSpPr/>
           <p:nvPr/>
         </p:nvSpPr>
         <p:spPr>
-          <a:xfrm rot="20811110">
-            <a:off x="6976154" y="1206102"/>
-            <a:ext cx="329868" cy="1239160"/>
-          </a:xfrm>
-          <a:prstGeom prst="downArrow">
+          <a:xfrm>
+            <a:off x="631065" y="2392608"/>
+            <a:ext cx="850005" cy="608169"/>
+          </a:xfrm>
+          <a:prstGeom prst="ellipse">
             <a:avLst/>
           </a:prstGeom>
-          <a:solidFill>
-            <a:srgbClr val="FF0000"/>
-          </a:solidFill>
+          <a:noFill/>
+          <a:ln w="57150">
+            <a:solidFill>
+              <a:srgbClr val="FF0000"/>
+            </a:solidFill>
+          </a:ln>
         </p:spPr>
         <p:style>
           <a:lnRef idx="2">
@@ -5554,75 +6185,26 @@
       </p:sp>
       <p:sp>
         <p:nvSpPr>
-          <p:cNvPr id="12" name="CaixaDeTexto 11"/>
-          <p:cNvSpPr txBox="1"/>
+          <p:cNvPr id="15" name="Elipse 14"/>
+          <p:cNvSpPr/>
           <p:nvPr/>
         </p:nvSpPr>
         <p:spPr>
           <a:xfrm>
-            <a:off x="6282743" y="2631652"/>
-            <a:ext cx="4056845" cy="923330"/>
-          </a:xfrm>
-          <a:prstGeom prst="rect">
+            <a:off x="-102783" y="3129567"/>
+            <a:ext cx="2884620" cy="3631841"/>
+          </a:xfrm>
+          <a:prstGeom prst="ellipse">
             <a:avLst/>
           </a:prstGeom>
           <a:noFill/>
-        </p:spPr>
-        <p:txBody>
-          <a:bodyPr wrap="square" rtlCol="0">
-            <a:spAutoFit/>
-          </a:bodyPr>
-          <a:lstStyle/>
-          <a:p>
-            <a:r>
-              <a:rPr lang="pt-BR" dirty="0" smtClean="0"/>
-              <a:t>Os relatórios são salvos com os nomes indicando o tipo de ensaio, data e hora de execução</a:t>
-            </a:r>
-            <a:endParaRPr lang="pt-BR" dirty="0"/>
-          </a:p>
-        </p:txBody>
-      </p:sp>
-      <p:pic>
-        <p:nvPicPr>
-          <p:cNvPr id="13" name="Imagem 12"/>
-          <p:cNvPicPr>
-            <a:picLocks noChangeAspect="1"/>
-          </p:cNvPicPr>
-          <p:nvPr/>
-        </p:nvPicPr>
-        <p:blipFill>
-          <a:blip r:embed="rId4"/>
-          <a:stretch>
-            <a:fillRect/>
-          </a:stretch>
-        </p:blipFill>
-        <p:spPr>
-          <a:xfrm>
-            <a:off x="0" y="2833352"/>
-            <a:ext cx="4794831" cy="4024647"/>
-          </a:xfrm>
-          <a:prstGeom prst="rect">
-            <a:avLst/>
-          </a:prstGeom>
-        </p:spPr>
-      </p:pic>
-      <p:sp>
-        <p:nvSpPr>
-          <p:cNvPr id="14" name="Seta para baixo 13"/>
-          <p:cNvSpPr/>
-          <p:nvPr/>
-        </p:nvSpPr>
-        <p:spPr>
-          <a:xfrm rot="17432906">
-            <a:off x="5072305" y="4745647"/>
-            <a:ext cx="329868" cy="1239160"/>
-          </a:xfrm>
-          <a:prstGeom prst="downArrow">
-            <a:avLst/>
-          </a:prstGeom>
-          <a:solidFill>
-            <a:srgbClr val="FF0000"/>
-          </a:solidFill>
+          <a:ln w="57150">
+            <a:solidFill>
+              <a:schemeClr val="accent6">
+                <a:lumMod val="50000"/>
+              </a:schemeClr>
+            </a:solidFill>
+          </a:ln>
         </p:spPr>
         <p:style>
           <a:lnRef idx="2">
@@ -5649,44 +6231,10 @@
           </a:p>
         </p:txBody>
       </p:sp>
-      <p:sp>
-        <p:nvSpPr>
-          <p:cNvPr id="16" name="CaixaDeTexto 15"/>
-          <p:cNvSpPr txBox="1"/>
-          <p:nvPr/>
-        </p:nvSpPr>
-        <p:spPr>
-          <a:xfrm>
-            <a:off x="5981196" y="5424221"/>
-            <a:ext cx="4056845" cy="369332"/>
-          </a:xfrm>
-          <a:prstGeom prst="rect">
-            <a:avLst/>
-          </a:prstGeom>
-          <a:noFill/>
-        </p:spPr>
-        <p:txBody>
-          <a:bodyPr wrap="square" rtlCol="0">
-            <a:spAutoFit/>
-          </a:bodyPr>
-          <a:lstStyle/>
-          <a:p>
-            <a:r>
-              <a:rPr lang="pt-BR" dirty="0" smtClean="0"/>
-              <a:t>Exemplo de </a:t>
-            </a:r>
-            <a:r>
-              <a:rPr lang="pt-BR" dirty="0" err="1" smtClean="0"/>
-              <a:t>relatorio</a:t>
-            </a:r>
-            <a:endParaRPr lang="pt-BR" dirty="0"/>
-          </a:p>
-        </p:txBody>
-      </p:sp>
     </p:spTree>
     <p:extLst>
       <p:ext uri="{BB962C8B-B14F-4D97-AF65-F5344CB8AC3E}">
-        <p14:creationId xmlns:p14="http://schemas.microsoft.com/office/powerpoint/2010/main" val="4238799258"/>
+        <p14:creationId xmlns:p14="http://schemas.microsoft.com/office/powerpoint/2010/main" val="3067325769"/>
       </p:ext>
     </p:extLst>
   </p:cSld>
